--- a/img/pin_map.pptx
+++ b/img/pin_map.pptx
@@ -7,6 +7,8 @@
   <p:sldIdLst>
     <p:sldId id="256" r:id="rId2"/>
     <p:sldId id="261" r:id="rId3"/>
+    <p:sldId id="262" r:id="rId4"/>
+    <p:sldId id="263" r:id="rId5"/>
   </p:sldIdLst>
   <p:sldSz cx="12192000" cy="6858000"/>
   <p:notesSz cx="6858000" cy="9144000"/>
@@ -274,7 +276,7 @@
           <a:p>
             <a:fld id="{6BAEC7DB-416E-4648-AE31-15D6F0A9A9FB}" type="datetimeFigureOut">
               <a:rPr lang="en-US" smtClean="0"/>
-              <a:t>9/3/2018</a:t>
+              <a:t>9/29/2018</a:t>
             </a:fld>
             <a:endParaRPr lang="en-US"/>
           </a:p>
@@ -474,7 +476,7 @@
           <a:p>
             <a:fld id="{6BAEC7DB-416E-4648-AE31-15D6F0A9A9FB}" type="datetimeFigureOut">
               <a:rPr lang="en-US" smtClean="0"/>
-              <a:t>9/3/2018</a:t>
+              <a:t>9/29/2018</a:t>
             </a:fld>
             <a:endParaRPr lang="en-US"/>
           </a:p>
@@ -684,7 +686,7 @@
           <a:p>
             <a:fld id="{6BAEC7DB-416E-4648-AE31-15D6F0A9A9FB}" type="datetimeFigureOut">
               <a:rPr lang="en-US" smtClean="0"/>
-              <a:t>9/3/2018</a:t>
+              <a:t>9/29/2018</a:t>
             </a:fld>
             <a:endParaRPr lang="en-US"/>
           </a:p>
@@ -884,7 +886,7 @@
           <a:p>
             <a:fld id="{6BAEC7DB-416E-4648-AE31-15D6F0A9A9FB}" type="datetimeFigureOut">
               <a:rPr lang="en-US" smtClean="0"/>
-              <a:t>9/3/2018</a:t>
+              <a:t>9/29/2018</a:t>
             </a:fld>
             <a:endParaRPr lang="en-US"/>
           </a:p>
@@ -1160,7 +1162,7 @@
           <a:p>
             <a:fld id="{6BAEC7DB-416E-4648-AE31-15D6F0A9A9FB}" type="datetimeFigureOut">
               <a:rPr lang="en-US" smtClean="0"/>
-              <a:t>9/3/2018</a:t>
+              <a:t>9/29/2018</a:t>
             </a:fld>
             <a:endParaRPr lang="en-US"/>
           </a:p>
@@ -1428,7 +1430,7 @@
           <a:p>
             <a:fld id="{6BAEC7DB-416E-4648-AE31-15D6F0A9A9FB}" type="datetimeFigureOut">
               <a:rPr lang="en-US" smtClean="0"/>
-              <a:t>9/3/2018</a:t>
+              <a:t>9/29/2018</a:t>
             </a:fld>
             <a:endParaRPr lang="en-US"/>
           </a:p>
@@ -1843,7 +1845,7 @@
           <a:p>
             <a:fld id="{6BAEC7DB-416E-4648-AE31-15D6F0A9A9FB}" type="datetimeFigureOut">
               <a:rPr lang="en-US" smtClean="0"/>
-              <a:t>9/3/2018</a:t>
+              <a:t>9/29/2018</a:t>
             </a:fld>
             <a:endParaRPr lang="en-US"/>
           </a:p>
@@ -1985,7 +1987,7 @@
           <a:p>
             <a:fld id="{6BAEC7DB-416E-4648-AE31-15D6F0A9A9FB}" type="datetimeFigureOut">
               <a:rPr lang="en-US" smtClean="0"/>
-              <a:t>9/3/2018</a:t>
+              <a:t>9/29/2018</a:t>
             </a:fld>
             <a:endParaRPr lang="en-US"/>
           </a:p>
@@ -2098,7 +2100,7 @@
           <a:p>
             <a:fld id="{6BAEC7DB-416E-4648-AE31-15D6F0A9A9FB}" type="datetimeFigureOut">
               <a:rPr lang="en-US" smtClean="0"/>
-              <a:t>9/3/2018</a:t>
+              <a:t>9/29/2018</a:t>
             </a:fld>
             <a:endParaRPr lang="en-US"/>
           </a:p>
@@ -2411,7 +2413,7 @@
           <a:p>
             <a:fld id="{6BAEC7DB-416E-4648-AE31-15D6F0A9A9FB}" type="datetimeFigureOut">
               <a:rPr lang="en-US" smtClean="0"/>
-              <a:t>9/3/2018</a:t>
+              <a:t>9/29/2018</a:t>
             </a:fld>
             <a:endParaRPr lang="en-US"/>
           </a:p>
@@ -2700,7 +2702,7 @@
           <a:p>
             <a:fld id="{6BAEC7DB-416E-4648-AE31-15D6F0A9A9FB}" type="datetimeFigureOut">
               <a:rPr lang="en-US" smtClean="0"/>
-              <a:t>9/3/2018</a:t>
+              <a:t>9/29/2018</a:t>
             </a:fld>
             <a:endParaRPr lang="en-US"/>
           </a:p>
@@ -2943,7 +2945,7 @@
           <a:p>
             <a:fld id="{6BAEC7DB-416E-4648-AE31-15D6F0A9A9FB}" type="datetimeFigureOut">
               <a:rPr lang="en-US" smtClean="0"/>
-              <a:t>9/3/2018</a:t>
+              <a:t>9/29/2018</a:t>
             </a:fld>
             <a:endParaRPr lang="en-US"/>
           </a:p>
@@ -6161,6 +6163,3024 @@
 </p:sld>
 </file>
 
+<file path=ppt/slides/slide3.xml><?xml version="1.0" encoding="utf-8"?>
+<p:sld xmlns:a="http://schemas.openxmlformats.org/drawingml/2006/main" xmlns:r="http://schemas.openxmlformats.org/officeDocument/2006/relationships" xmlns:p="http://schemas.openxmlformats.org/presentationml/2006/main">
+  <p:cSld>
+    <p:spTree>
+      <p:nvGrpSpPr>
+        <p:cNvPr id="1" name=""/>
+        <p:cNvGrpSpPr/>
+        <p:nvPr/>
+      </p:nvGrpSpPr>
+      <p:grpSpPr>
+        <a:xfrm>
+          <a:off x="0" y="0"/>
+          <a:ext cx="0" cy="0"/>
+          <a:chOff x="0" y="0"/>
+          <a:chExt cx="0" cy="0"/>
+        </a:xfrm>
+      </p:grpSpPr>
+      <p:pic>
+        <p:nvPicPr>
+          <p:cNvPr id="7" name="图片 6">
+            <a:extLst>
+              <a:ext uri="{FF2B5EF4-FFF2-40B4-BE49-F238E27FC236}">
+                <a16:creationId xmlns:a16="http://schemas.microsoft.com/office/drawing/2014/main" id="{61D3E920-D89C-4D16-BCDB-00A43F4EAAA8}"/>
+              </a:ext>
+            </a:extLst>
+          </p:cNvPr>
+          <p:cNvPicPr>
+            <a:picLocks noChangeAspect="1"/>
+          </p:cNvPicPr>
+          <p:nvPr/>
+        </p:nvPicPr>
+        <p:blipFill>
+          <a:blip r:embed="rId2">
+            <a:extLst>
+              <a:ext uri="{28A0092B-C50C-407E-A947-70E740481C1C}">
+                <a14:useLocalDpi xmlns:a14="http://schemas.microsoft.com/office/drawing/2010/main" val="0"/>
+              </a:ext>
+            </a:extLst>
+          </a:blip>
+          <a:stretch>
+            <a:fillRect/>
+          </a:stretch>
+        </p:blipFill>
+        <p:spPr>
+          <a:xfrm>
+            <a:off x="1249908" y="-481791"/>
+            <a:ext cx="6139683" cy="4604763"/>
+          </a:xfrm>
+          <a:prstGeom prst="rect">
+            <a:avLst/>
+          </a:prstGeom>
+        </p:spPr>
+      </p:pic>
+      <p:pic>
+        <p:nvPicPr>
+          <p:cNvPr id="13" name="图片 12">
+            <a:extLst>
+              <a:ext uri="{FF2B5EF4-FFF2-40B4-BE49-F238E27FC236}">
+                <a16:creationId xmlns:a16="http://schemas.microsoft.com/office/drawing/2014/main" id="{4024C4B6-F1AB-4297-AED4-F76AA51CF6A0}"/>
+              </a:ext>
+            </a:extLst>
+          </p:cNvPr>
+          <p:cNvPicPr>
+            <a:picLocks noChangeAspect="1"/>
+          </p:cNvPicPr>
+          <p:nvPr/>
+        </p:nvPicPr>
+        <p:blipFill>
+          <a:blip r:embed="rId3">
+            <a:extLst>
+              <a:ext uri="{28A0092B-C50C-407E-A947-70E740481C1C}">
+                <a14:useLocalDpi xmlns:a14="http://schemas.microsoft.com/office/drawing/2010/main" val="0"/>
+              </a:ext>
+            </a:extLst>
+          </a:blip>
+          <a:stretch>
+            <a:fillRect/>
+          </a:stretch>
+        </p:blipFill>
+        <p:spPr>
+          <a:xfrm>
+            <a:off x="5082879" y="3745762"/>
+            <a:ext cx="472059" cy="472059"/>
+          </a:xfrm>
+          <a:prstGeom prst="rect">
+            <a:avLst/>
+          </a:prstGeom>
+        </p:spPr>
+      </p:pic>
+      <p:pic>
+        <p:nvPicPr>
+          <p:cNvPr id="16" name="图片 15">
+            <a:extLst>
+              <a:ext uri="{FF2B5EF4-FFF2-40B4-BE49-F238E27FC236}">
+                <a16:creationId xmlns:a16="http://schemas.microsoft.com/office/drawing/2014/main" id="{88BF9D0F-EA84-4D6D-86A2-F5D93E379A03}"/>
+              </a:ext>
+            </a:extLst>
+          </p:cNvPr>
+          <p:cNvPicPr>
+            <a:picLocks noChangeAspect="1"/>
+          </p:cNvPicPr>
+          <p:nvPr/>
+        </p:nvPicPr>
+        <p:blipFill>
+          <a:blip r:embed="rId4">
+            <a:extLst>
+              <a:ext uri="{28A0092B-C50C-407E-A947-70E740481C1C}">
+                <a14:useLocalDpi xmlns:a14="http://schemas.microsoft.com/office/drawing/2010/main" val="0"/>
+              </a:ext>
+            </a:extLst>
+          </a:blip>
+          <a:stretch>
+            <a:fillRect/>
+          </a:stretch>
+        </p:blipFill>
+        <p:spPr>
+          <a:xfrm>
+            <a:off x="3102097" y="3294551"/>
+            <a:ext cx="472059" cy="472059"/>
+          </a:xfrm>
+          <a:prstGeom prst="rect">
+            <a:avLst/>
+          </a:prstGeom>
+        </p:spPr>
+      </p:pic>
+      <p:pic>
+        <p:nvPicPr>
+          <p:cNvPr id="20" name="图片 19">
+            <a:extLst>
+              <a:ext uri="{FF2B5EF4-FFF2-40B4-BE49-F238E27FC236}">
+                <a16:creationId xmlns:a16="http://schemas.microsoft.com/office/drawing/2014/main" id="{FD507FA7-479F-463D-9A86-9252F46244B8}"/>
+              </a:ext>
+            </a:extLst>
+          </p:cNvPr>
+          <p:cNvPicPr>
+            <a:picLocks noChangeAspect="1"/>
+          </p:cNvPicPr>
+          <p:nvPr/>
+        </p:nvPicPr>
+        <p:blipFill>
+          <a:blip r:embed="rId5">
+            <a:extLst>
+              <a:ext uri="{28A0092B-C50C-407E-A947-70E740481C1C}">
+                <a14:useLocalDpi xmlns:a14="http://schemas.microsoft.com/office/drawing/2010/main" val="0"/>
+              </a:ext>
+            </a:extLst>
+          </a:blip>
+          <a:stretch>
+            <a:fillRect/>
+          </a:stretch>
+        </p:blipFill>
+        <p:spPr>
+          <a:xfrm>
+            <a:off x="3453124" y="3735589"/>
+            <a:ext cx="472059" cy="472059"/>
+          </a:xfrm>
+          <a:prstGeom prst="rect">
+            <a:avLst/>
+          </a:prstGeom>
+        </p:spPr>
+      </p:pic>
+      <p:pic>
+        <p:nvPicPr>
+          <p:cNvPr id="23" name="图片 22">
+            <a:extLst>
+              <a:ext uri="{FF2B5EF4-FFF2-40B4-BE49-F238E27FC236}">
+                <a16:creationId xmlns:a16="http://schemas.microsoft.com/office/drawing/2014/main" id="{4D10176D-A5F5-4306-A4FC-F8A53BFED3C0}"/>
+              </a:ext>
+            </a:extLst>
+          </p:cNvPr>
+          <p:cNvPicPr>
+            <a:picLocks noChangeAspect="1"/>
+          </p:cNvPicPr>
+          <p:nvPr/>
+        </p:nvPicPr>
+        <p:blipFill>
+          <a:blip r:embed="rId6">
+            <a:extLst>
+              <a:ext uri="{28A0092B-C50C-407E-A947-70E740481C1C}">
+                <a14:useLocalDpi xmlns:a14="http://schemas.microsoft.com/office/drawing/2010/main" val="0"/>
+              </a:ext>
+            </a:extLst>
+          </a:blip>
+          <a:stretch>
+            <a:fillRect/>
+          </a:stretch>
+        </p:blipFill>
+        <p:spPr>
+          <a:xfrm>
+            <a:off x="3764498" y="3282055"/>
+            <a:ext cx="472059" cy="472059"/>
+          </a:xfrm>
+          <a:prstGeom prst="rect">
+            <a:avLst/>
+          </a:prstGeom>
+        </p:spPr>
+      </p:pic>
+      <p:pic>
+        <p:nvPicPr>
+          <p:cNvPr id="29" name="图片 28">
+            <a:extLst>
+              <a:ext uri="{FF2B5EF4-FFF2-40B4-BE49-F238E27FC236}">
+                <a16:creationId xmlns:a16="http://schemas.microsoft.com/office/drawing/2014/main" id="{5D4FC4BC-CD1C-46DC-9099-E7D46F539C43}"/>
+              </a:ext>
+            </a:extLst>
+          </p:cNvPr>
+          <p:cNvPicPr>
+            <a:picLocks noChangeAspect="1"/>
+          </p:cNvPicPr>
+          <p:nvPr/>
+        </p:nvPicPr>
+        <p:blipFill>
+          <a:blip r:embed="rId7">
+            <a:extLst>
+              <a:ext uri="{28A0092B-C50C-407E-A947-70E740481C1C}">
+                <a14:useLocalDpi xmlns:a14="http://schemas.microsoft.com/office/drawing/2010/main" val="0"/>
+              </a:ext>
+            </a:extLst>
+          </a:blip>
+          <a:stretch>
+            <a:fillRect/>
+          </a:stretch>
+        </p:blipFill>
+        <p:spPr>
+          <a:xfrm>
+            <a:off x="4410282" y="3754114"/>
+            <a:ext cx="472059" cy="472059"/>
+          </a:xfrm>
+          <a:prstGeom prst="rect">
+            <a:avLst/>
+          </a:prstGeom>
+        </p:spPr>
+      </p:pic>
+      <p:pic>
+        <p:nvPicPr>
+          <p:cNvPr id="31" name="图片 30">
+            <a:extLst>
+              <a:ext uri="{FF2B5EF4-FFF2-40B4-BE49-F238E27FC236}">
+                <a16:creationId xmlns:a16="http://schemas.microsoft.com/office/drawing/2014/main" id="{81E5315C-9E58-4CD1-A5D0-FC21BECB8B68}"/>
+              </a:ext>
+            </a:extLst>
+          </p:cNvPr>
+          <p:cNvPicPr>
+            <a:picLocks noChangeAspect="1"/>
+          </p:cNvPicPr>
+          <p:nvPr/>
+        </p:nvPicPr>
+        <p:blipFill>
+          <a:blip r:embed="rId8">
+            <a:extLst>
+              <a:ext uri="{28A0092B-C50C-407E-A947-70E740481C1C}">
+                <a14:useLocalDpi xmlns:a14="http://schemas.microsoft.com/office/drawing/2010/main" val="0"/>
+              </a:ext>
+            </a:extLst>
+          </a:blip>
+          <a:stretch>
+            <a:fillRect/>
+          </a:stretch>
+        </p:blipFill>
+        <p:spPr>
+          <a:xfrm>
+            <a:off x="4743522" y="3294551"/>
+            <a:ext cx="472059" cy="472059"/>
+          </a:xfrm>
+          <a:prstGeom prst="rect">
+            <a:avLst/>
+          </a:prstGeom>
+        </p:spPr>
+      </p:pic>
+      <p:sp>
+        <p:nvSpPr>
+          <p:cNvPr id="49" name="椭圆 48">
+            <a:extLst>
+              <a:ext uri="{FF2B5EF4-FFF2-40B4-BE49-F238E27FC236}">
+                <a16:creationId xmlns:a16="http://schemas.microsoft.com/office/drawing/2014/main" id="{C61F1527-51C3-4F83-9CC7-B66D4405C01C}"/>
+              </a:ext>
+            </a:extLst>
+          </p:cNvPr>
+          <p:cNvSpPr>
+            <a:spLocks noChangeAspect="1"/>
+          </p:cNvSpPr>
+          <p:nvPr/>
+        </p:nvSpPr>
+        <p:spPr>
+          <a:xfrm>
+            <a:off x="3281802" y="2191137"/>
+            <a:ext cx="103124" cy="103124"/>
+          </a:xfrm>
+          <a:prstGeom prst="ellipse">
+            <a:avLst/>
+          </a:prstGeom>
+          <a:solidFill>
+            <a:srgbClr val="FFC000"/>
+          </a:solidFill>
+          <a:ln>
+            <a:solidFill>
+              <a:srgbClr val="FFC000"/>
+            </a:solidFill>
+          </a:ln>
+        </p:spPr>
+        <p:style>
+          <a:lnRef idx="2">
+            <a:schemeClr val="accent1">
+              <a:shade val="50000"/>
+            </a:schemeClr>
+          </a:lnRef>
+          <a:fillRef idx="1">
+            <a:schemeClr val="accent1"/>
+          </a:fillRef>
+          <a:effectRef idx="0">
+            <a:schemeClr val="accent1"/>
+          </a:effectRef>
+          <a:fontRef idx="minor">
+            <a:schemeClr val="lt1"/>
+          </a:fontRef>
+        </p:style>
+        <p:txBody>
+          <a:bodyPr rtlCol="0" anchor="ctr"/>
+          <a:lstStyle/>
+          <a:p>
+            <a:pPr algn="ctr"/>
+            <a:endParaRPr lang="en-US"/>
+          </a:p>
+        </p:txBody>
+      </p:sp>
+      <p:cxnSp>
+        <p:nvCxnSpPr>
+          <p:cNvPr id="14" name="直接连接符 13">
+            <a:extLst>
+              <a:ext uri="{FF2B5EF4-FFF2-40B4-BE49-F238E27FC236}">
+                <a16:creationId xmlns:a16="http://schemas.microsoft.com/office/drawing/2014/main" id="{8C1882BF-33D4-4B25-A3B9-A75D771161DA}"/>
+              </a:ext>
+            </a:extLst>
+          </p:cNvPr>
+          <p:cNvCxnSpPr>
+            <a:cxnSpLocks/>
+            <a:stCxn id="49" idx="4"/>
+            <a:endCxn id="16" idx="0"/>
+          </p:cNvCxnSpPr>
+          <p:nvPr/>
+        </p:nvCxnSpPr>
+        <p:spPr>
+          <a:xfrm>
+            <a:off x="3333364" y="2294261"/>
+            <a:ext cx="4763" cy="1000290"/>
+          </a:xfrm>
+          <a:prstGeom prst="line">
+            <a:avLst/>
+          </a:prstGeom>
+          <a:ln w="15875" cap="flat" cmpd="sng" algn="ctr">
+            <a:solidFill>
+              <a:schemeClr val="accent3"/>
+            </a:solidFill>
+            <a:prstDash val="dash"/>
+            <a:round/>
+            <a:headEnd type="none" w="med" len="med"/>
+            <a:tailEnd type="none" w="med" len="med"/>
+          </a:ln>
+        </p:spPr>
+        <p:style>
+          <a:lnRef idx="0">
+            <a:scrgbClr r="0" g="0" b="0"/>
+          </a:lnRef>
+          <a:fillRef idx="0">
+            <a:scrgbClr r="0" g="0" b="0"/>
+          </a:fillRef>
+          <a:effectRef idx="0">
+            <a:scrgbClr r="0" g="0" b="0"/>
+          </a:effectRef>
+          <a:fontRef idx="minor">
+            <a:schemeClr val="tx1"/>
+          </a:fontRef>
+        </p:style>
+      </p:cxnSp>
+      <p:sp>
+        <p:nvSpPr>
+          <p:cNvPr id="52" name="椭圆 51">
+            <a:extLst>
+              <a:ext uri="{FF2B5EF4-FFF2-40B4-BE49-F238E27FC236}">
+                <a16:creationId xmlns:a16="http://schemas.microsoft.com/office/drawing/2014/main" id="{EFED421C-C17C-46F1-86C7-8B1ED9BB48E0}"/>
+              </a:ext>
+            </a:extLst>
+          </p:cNvPr>
+          <p:cNvSpPr>
+            <a:spLocks noChangeAspect="1"/>
+          </p:cNvSpPr>
+          <p:nvPr/>
+        </p:nvSpPr>
+        <p:spPr>
+          <a:xfrm>
+            <a:off x="3609845" y="2191137"/>
+            <a:ext cx="103124" cy="103124"/>
+          </a:xfrm>
+          <a:prstGeom prst="ellipse">
+            <a:avLst/>
+          </a:prstGeom>
+          <a:solidFill>
+            <a:srgbClr val="FFC000"/>
+          </a:solidFill>
+          <a:ln>
+            <a:solidFill>
+              <a:srgbClr val="FFC000"/>
+            </a:solidFill>
+          </a:ln>
+        </p:spPr>
+        <p:style>
+          <a:lnRef idx="2">
+            <a:schemeClr val="accent1">
+              <a:shade val="50000"/>
+            </a:schemeClr>
+          </a:lnRef>
+          <a:fillRef idx="1">
+            <a:schemeClr val="accent1"/>
+          </a:fillRef>
+          <a:effectRef idx="0">
+            <a:schemeClr val="accent1"/>
+          </a:effectRef>
+          <a:fontRef idx="minor">
+            <a:schemeClr val="lt1"/>
+          </a:fontRef>
+        </p:style>
+        <p:txBody>
+          <a:bodyPr rtlCol="0" anchor="ctr"/>
+          <a:lstStyle/>
+          <a:p>
+            <a:pPr algn="ctr"/>
+            <a:endParaRPr lang="en-US"/>
+          </a:p>
+        </p:txBody>
+      </p:sp>
+      <p:cxnSp>
+        <p:nvCxnSpPr>
+          <p:cNvPr id="54" name="直接连接符 53">
+            <a:extLst>
+              <a:ext uri="{FF2B5EF4-FFF2-40B4-BE49-F238E27FC236}">
+                <a16:creationId xmlns:a16="http://schemas.microsoft.com/office/drawing/2014/main" id="{AAD0C9EE-1CE6-4705-B4B4-F4C859AA0231}"/>
+              </a:ext>
+            </a:extLst>
+          </p:cNvPr>
+          <p:cNvCxnSpPr>
+            <a:cxnSpLocks/>
+            <a:stCxn id="52" idx="4"/>
+            <a:endCxn id="20" idx="0"/>
+          </p:cNvCxnSpPr>
+          <p:nvPr/>
+        </p:nvCxnSpPr>
+        <p:spPr>
+          <a:xfrm>
+            <a:off x="3661407" y="2294261"/>
+            <a:ext cx="27747" cy="1441328"/>
+          </a:xfrm>
+          <a:prstGeom prst="line">
+            <a:avLst/>
+          </a:prstGeom>
+          <a:ln w="15875" cap="flat" cmpd="sng" algn="ctr">
+            <a:solidFill>
+              <a:schemeClr val="accent3"/>
+            </a:solidFill>
+            <a:prstDash val="dash"/>
+            <a:round/>
+            <a:headEnd type="none" w="med" len="med"/>
+            <a:tailEnd type="none" w="med" len="med"/>
+          </a:ln>
+        </p:spPr>
+        <p:style>
+          <a:lnRef idx="0">
+            <a:scrgbClr r="0" g="0" b="0"/>
+          </a:lnRef>
+          <a:fillRef idx="0">
+            <a:scrgbClr r="0" g="0" b="0"/>
+          </a:fillRef>
+          <a:effectRef idx="0">
+            <a:scrgbClr r="0" g="0" b="0"/>
+          </a:effectRef>
+          <a:fontRef idx="minor">
+            <a:schemeClr val="tx1"/>
+          </a:fontRef>
+        </p:style>
+      </p:cxnSp>
+      <p:sp>
+        <p:nvSpPr>
+          <p:cNvPr id="57" name="椭圆 56">
+            <a:extLst>
+              <a:ext uri="{FF2B5EF4-FFF2-40B4-BE49-F238E27FC236}">
+                <a16:creationId xmlns:a16="http://schemas.microsoft.com/office/drawing/2014/main" id="{D582BB22-BB63-4AD2-8FD3-7D2B7E280AE4}"/>
+              </a:ext>
+            </a:extLst>
+          </p:cNvPr>
+          <p:cNvSpPr>
+            <a:spLocks noChangeAspect="1"/>
+          </p:cNvSpPr>
+          <p:nvPr/>
+        </p:nvSpPr>
+        <p:spPr>
+          <a:xfrm>
+            <a:off x="3937888" y="2188041"/>
+            <a:ext cx="103124" cy="103124"/>
+          </a:xfrm>
+          <a:prstGeom prst="ellipse">
+            <a:avLst/>
+          </a:prstGeom>
+          <a:solidFill>
+            <a:srgbClr val="FFC000"/>
+          </a:solidFill>
+          <a:ln>
+            <a:solidFill>
+              <a:srgbClr val="FFC000"/>
+            </a:solidFill>
+          </a:ln>
+        </p:spPr>
+        <p:style>
+          <a:lnRef idx="2">
+            <a:schemeClr val="accent1">
+              <a:shade val="50000"/>
+            </a:schemeClr>
+          </a:lnRef>
+          <a:fillRef idx="1">
+            <a:schemeClr val="accent1"/>
+          </a:fillRef>
+          <a:effectRef idx="0">
+            <a:schemeClr val="accent1"/>
+          </a:effectRef>
+          <a:fontRef idx="minor">
+            <a:schemeClr val="lt1"/>
+          </a:fontRef>
+        </p:style>
+        <p:txBody>
+          <a:bodyPr rtlCol="0" anchor="ctr"/>
+          <a:lstStyle/>
+          <a:p>
+            <a:pPr algn="ctr"/>
+            <a:endParaRPr lang="en-US"/>
+          </a:p>
+        </p:txBody>
+      </p:sp>
+      <p:cxnSp>
+        <p:nvCxnSpPr>
+          <p:cNvPr id="58" name="直接连接符 57">
+            <a:extLst>
+              <a:ext uri="{FF2B5EF4-FFF2-40B4-BE49-F238E27FC236}">
+                <a16:creationId xmlns:a16="http://schemas.microsoft.com/office/drawing/2014/main" id="{1572B47D-7AA3-436F-8C01-BCB23CEDFF3B}"/>
+              </a:ext>
+            </a:extLst>
+          </p:cNvPr>
+          <p:cNvCxnSpPr>
+            <a:cxnSpLocks/>
+            <a:endCxn id="23" idx="0"/>
+          </p:cNvCxnSpPr>
+          <p:nvPr/>
+        </p:nvCxnSpPr>
+        <p:spPr>
+          <a:xfrm>
+            <a:off x="3989450" y="2303862"/>
+            <a:ext cx="11078" cy="978193"/>
+          </a:xfrm>
+          <a:prstGeom prst="line">
+            <a:avLst/>
+          </a:prstGeom>
+          <a:ln w="15875" cap="flat" cmpd="sng" algn="ctr">
+            <a:solidFill>
+              <a:schemeClr val="accent3"/>
+            </a:solidFill>
+            <a:prstDash val="dash"/>
+            <a:round/>
+            <a:headEnd type="none" w="med" len="med"/>
+            <a:tailEnd type="none" w="med" len="med"/>
+          </a:ln>
+        </p:spPr>
+        <p:style>
+          <a:lnRef idx="0">
+            <a:scrgbClr r="0" g="0" b="0"/>
+          </a:lnRef>
+          <a:fillRef idx="0">
+            <a:scrgbClr r="0" g="0" b="0"/>
+          </a:fillRef>
+          <a:effectRef idx="0">
+            <a:scrgbClr r="0" g="0" b="0"/>
+          </a:effectRef>
+          <a:fontRef idx="minor">
+            <a:schemeClr val="tx1"/>
+          </a:fontRef>
+        </p:style>
+      </p:cxnSp>
+      <p:sp>
+        <p:nvSpPr>
+          <p:cNvPr id="68" name="椭圆 67">
+            <a:extLst>
+              <a:ext uri="{FF2B5EF4-FFF2-40B4-BE49-F238E27FC236}">
+                <a16:creationId xmlns:a16="http://schemas.microsoft.com/office/drawing/2014/main" id="{DF398365-7B16-43A7-B9D4-03E2980A1469}"/>
+              </a:ext>
+            </a:extLst>
+          </p:cNvPr>
+          <p:cNvSpPr>
+            <a:spLocks noChangeAspect="1"/>
+          </p:cNvSpPr>
+          <p:nvPr/>
+        </p:nvSpPr>
+        <p:spPr>
+          <a:xfrm>
+            <a:off x="4568502" y="2188067"/>
+            <a:ext cx="103124" cy="103124"/>
+          </a:xfrm>
+          <a:prstGeom prst="ellipse">
+            <a:avLst/>
+          </a:prstGeom>
+          <a:solidFill>
+            <a:srgbClr val="FFC000"/>
+          </a:solidFill>
+          <a:ln>
+            <a:solidFill>
+              <a:srgbClr val="FFC000"/>
+            </a:solidFill>
+          </a:ln>
+        </p:spPr>
+        <p:style>
+          <a:lnRef idx="2">
+            <a:schemeClr val="accent1">
+              <a:shade val="50000"/>
+            </a:schemeClr>
+          </a:lnRef>
+          <a:fillRef idx="1">
+            <a:schemeClr val="accent1"/>
+          </a:fillRef>
+          <a:effectRef idx="0">
+            <a:schemeClr val="accent1"/>
+          </a:effectRef>
+          <a:fontRef idx="minor">
+            <a:schemeClr val="lt1"/>
+          </a:fontRef>
+        </p:style>
+        <p:txBody>
+          <a:bodyPr rtlCol="0" anchor="ctr"/>
+          <a:lstStyle/>
+          <a:p>
+            <a:pPr algn="ctr"/>
+            <a:endParaRPr lang="en-US"/>
+          </a:p>
+        </p:txBody>
+      </p:sp>
+      <p:cxnSp>
+        <p:nvCxnSpPr>
+          <p:cNvPr id="70" name="直接连接符 69">
+            <a:extLst>
+              <a:ext uri="{FF2B5EF4-FFF2-40B4-BE49-F238E27FC236}">
+                <a16:creationId xmlns:a16="http://schemas.microsoft.com/office/drawing/2014/main" id="{60ABD560-D29D-4168-A8D2-8D755B9FA3A8}"/>
+              </a:ext>
+            </a:extLst>
+          </p:cNvPr>
+          <p:cNvCxnSpPr>
+            <a:cxnSpLocks/>
+            <a:stCxn id="68" idx="4"/>
+          </p:cNvCxnSpPr>
+          <p:nvPr/>
+        </p:nvCxnSpPr>
+        <p:spPr>
+          <a:xfrm>
+            <a:off x="4620064" y="2291191"/>
+            <a:ext cx="27747" cy="1441328"/>
+          </a:xfrm>
+          <a:prstGeom prst="line">
+            <a:avLst/>
+          </a:prstGeom>
+          <a:ln w="15875" cap="flat" cmpd="sng" algn="ctr">
+            <a:solidFill>
+              <a:schemeClr val="accent3"/>
+            </a:solidFill>
+            <a:prstDash val="dash"/>
+            <a:round/>
+            <a:headEnd type="none" w="med" len="med"/>
+            <a:tailEnd type="none" w="med" len="med"/>
+          </a:ln>
+        </p:spPr>
+        <p:style>
+          <a:lnRef idx="0">
+            <a:scrgbClr r="0" g="0" b="0"/>
+          </a:lnRef>
+          <a:fillRef idx="0">
+            <a:scrgbClr r="0" g="0" b="0"/>
+          </a:fillRef>
+          <a:effectRef idx="0">
+            <a:scrgbClr r="0" g="0" b="0"/>
+          </a:effectRef>
+          <a:fontRef idx="minor">
+            <a:schemeClr val="tx1"/>
+          </a:fontRef>
+        </p:style>
+      </p:cxnSp>
+      <p:sp>
+        <p:nvSpPr>
+          <p:cNvPr id="71" name="椭圆 70">
+            <a:extLst>
+              <a:ext uri="{FF2B5EF4-FFF2-40B4-BE49-F238E27FC236}">
+                <a16:creationId xmlns:a16="http://schemas.microsoft.com/office/drawing/2014/main" id="{C0D9EDB5-C460-4643-8815-2DC6BE9B2066}"/>
+              </a:ext>
+            </a:extLst>
+          </p:cNvPr>
+          <p:cNvSpPr>
+            <a:spLocks noChangeAspect="1"/>
+          </p:cNvSpPr>
+          <p:nvPr/>
+        </p:nvSpPr>
+        <p:spPr>
+          <a:xfrm>
+            <a:off x="4906486" y="2188067"/>
+            <a:ext cx="103124" cy="103124"/>
+          </a:xfrm>
+          <a:prstGeom prst="ellipse">
+            <a:avLst/>
+          </a:prstGeom>
+          <a:solidFill>
+            <a:srgbClr val="FFC000"/>
+          </a:solidFill>
+          <a:ln>
+            <a:solidFill>
+              <a:srgbClr val="FFC000"/>
+            </a:solidFill>
+          </a:ln>
+        </p:spPr>
+        <p:style>
+          <a:lnRef idx="2">
+            <a:schemeClr val="accent1">
+              <a:shade val="50000"/>
+            </a:schemeClr>
+          </a:lnRef>
+          <a:fillRef idx="1">
+            <a:schemeClr val="accent1"/>
+          </a:fillRef>
+          <a:effectRef idx="0">
+            <a:schemeClr val="accent1"/>
+          </a:effectRef>
+          <a:fontRef idx="minor">
+            <a:schemeClr val="lt1"/>
+          </a:fontRef>
+        </p:style>
+        <p:txBody>
+          <a:bodyPr rtlCol="0" anchor="ctr"/>
+          <a:lstStyle/>
+          <a:p>
+            <a:pPr algn="ctr"/>
+            <a:endParaRPr lang="en-US"/>
+          </a:p>
+        </p:txBody>
+      </p:sp>
+      <p:cxnSp>
+        <p:nvCxnSpPr>
+          <p:cNvPr id="72" name="直接连接符 71">
+            <a:extLst>
+              <a:ext uri="{FF2B5EF4-FFF2-40B4-BE49-F238E27FC236}">
+                <a16:creationId xmlns:a16="http://schemas.microsoft.com/office/drawing/2014/main" id="{B8C9D232-43B3-4F01-9215-DB66FC237916}"/>
+              </a:ext>
+            </a:extLst>
+          </p:cNvPr>
+          <p:cNvCxnSpPr>
+            <a:cxnSpLocks/>
+            <a:stCxn id="71" idx="4"/>
+            <a:endCxn id="31" idx="0"/>
+          </p:cNvCxnSpPr>
+          <p:nvPr/>
+        </p:nvCxnSpPr>
+        <p:spPr>
+          <a:xfrm>
+            <a:off x="4958048" y="2291191"/>
+            <a:ext cx="21504" cy="1003360"/>
+          </a:xfrm>
+          <a:prstGeom prst="line">
+            <a:avLst/>
+          </a:prstGeom>
+          <a:ln w="15875" cap="flat" cmpd="sng" algn="ctr">
+            <a:solidFill>
+              <a:schemeClr val="accent3"/>
+            </a:solidFill>
+            <a:prstDash val="dash"/>
+            <a:round/>
+            <a:headEnd type="none" w="med" len="med"/>
+            <a:tailEnd type="none" w="med" len="med"/>
+          </a:ln>
+        </p:spPr>
+        <p:style>
+          <a:lnRef idx="0">
+            <a:scrgbClr r="0" g="0" b="0"/>
+          </a:lnRef>
+          <a:fillRef idx="0">
+            <a:scrgbClr r="0" g="0" b="0"/>
+          </a:fillRef>
+          <a:effectRef idx="0">
+            <a:scrgbClr r="0" g="0" b="0"/>
+          </a:effectRef>
+          <a:fontRef idx="minor">
+            <a:schemeClr val="tx1"/>
+          </a:fontRef>
+        </p:style>
+      </p:cxnSp>
+      <p:sp>
+        <p:nvSpPr>
+          <p:cNvPr id="73" name="椭圆 72">
+            <a:extLst>
+              <a:ext uri="{FF2B5EF4-FFF2-40B4-BE49-F238E27FC236}">
+                <a16:creationId xmlns:a16="http://schemas.microsoft.com/office/drawing/2014/main" id="{F3FEBA8A-664C-4FCB-8952-3DF6AFB4F54B}"/>
+              </a:ext>
+            </a:extLst>
+          </p:cNvPr>
+          <p:cNvSpPr>
+            <a:spLocks noChangeAspect="1"/>
+          </p:cNvSpPr>
+          <p:nvPr/>
+        </p:nvSpPr>
+        <p:spPr>
+          <a:xfrm>
+            <a:off x="5239600" y="2188067"/>
+            <a:ext cx="103124" cy="103124"/>
+          </a:xfrm>
+          <a:prstGeom prst="ellipse">
+            <a:avLst/>
+          </a:prstGeom>
+          <a:solidFill>
+            <a:srgbClr val="FFC000"/>
+          </a:solidFill>
+          <a:ln>
+            <a:solidFill>
+              <a:srgbClr val="FFC000"/>
+            </a:solidFill>
+          </a:ln>
+        </p:spPr>
+        <p:style>
+          <a:lnRef idx="2">
+            <a:schemeClr val="accent1">
+              <a:shade val="50000"/>
+            </a:schemeClr>
+          </a:lnRef>
+          <a:fillRef idx="1">
+            <a:schemeClr val="accent1"/>
+          </a:fillRef>
+          <a:effectRef idx="0">
+            <a:schemeClr val="accent1"/>
+          </a:effectRef>
+          <a:fontRef idx="minor">
+            <a:schemeClr val="lt1"/>
+          </a:fontRef>
+        </p:style>
+        <p:txBody>
+          <a:bodyPr rtlCol="0" anchor="ctr"/>
+          <a:lstStyle/>
+          <a:p>
+            <a:pPr algn="ctr"/>
+            <a:endParaRPr lang="en-US"/>
+          </a:p>
+        </p:txBody>
+      </p:sp>
+      <p:cxnSp>
+        <p:nvCxnSpPr>
+          <p:cNvPr id="74" name="直接连接符 73">
+            <a:extLst>
+              <a:ext uri="{FF2B5EF4-FFF2-40B4-BE49-F238E27FC236}">
+                <a16:creationId xmlns:a16="http://schemas.microsoft.com/office/drawing/2014/main" id="{8CDEA9F8-A82B-49FA-8FD8-506AAF72E01E}"/>
+              </a:ext>
+            </a:extLst>
+          </p:cNvPr>
+          <p:cNvCxnSpPr>
+            <a:cxnSpLocks/>
+            <a:stCxn id="73" idx="4"/>
+          </p:cNvCxnSpPr>
+          <p:nvPr/>
+        </p:nvCxnSpPr>
+        <p:spPr>
+          <a:xfrm>
+            <a:off x="5291162" y="2291191"/>
+            <a:ext cx="27747" cy="1441328"/>
+          </a:xfrm>
+          <a:prstGeom prst="line">
+            <a:avLst/>
+          </a:prstGeom>
+          <a:ln w="15875" cap="flat" cmpd="sng" algn="ctr">
+            <a:solidFill>
+              <a:schemeClr val="accent3"/>
+            </a:solidFill>
+            <a:prstDash val="dash"/>
+            <a:round/>
+            <a:headEnd type="none" w="med" len="med"/>
+            <a:tailEnd type="none" w="med" len="med"/>
+          </a:ln>
+        </p:spPr>
+        <p:style>
+          <a:lnRef idx="0">
+            <a:scrgbClr r="0" g="0" b="0"/>
+          </a:lnRef>
+          <a:fillRef idx="0">
+            <a:scrgbClr r="0" g="0" b="0"/>
+          </a:fillRef>
+          <a:effectRef idx="0">
+            <a:scrgbClr r="0" g="0" b="0"/>
+          </a:effectRef>
+          <a:fontRef idx="minor">
+            <a:schemeClr val="tx1"/>
+          </a:fontRef>
+        </p:style>
+      </p:cxnSp>
+      <p:cxnSp>
+        <p:nvCxnSpPr>
+          <p:cNvPr id="59" name="直接连接符 58">
+            <a:extLst>
+              <a:ext uri="{FF2B5EF4-FFF2-40B4-BE49-F238E27FC236}">
+                <a16:creationId xmlns:a16="http://schemas.microsoft.com/office/drawing/2014/main" id="{554D8D14-D48D-45F6-89A6-634C964B8AE8}"/>
+              </a:ext>
+            </a:extLst>
+          </p:cNvPr>
+          <p:cNvCxnSpPr>
+            <a:cxnSpLocks/>
+          </p:cNvCxnSpPr>
+          <p:nvPr/>
+        </p:nvCxnSpPr>
+        <p:spPr>
+          <a:xfrm>
+            <a:off x="1334652" y="1372241"/>
+            <a:ext cx="766291" cy="0"/>
+          </a:xfrm>
+          <a:prstGeom prst="line">
+            <a:avLst/>
+          </a:prstGeom>
+          <a:ln w="15875" cap="flat" cmpd="sng" algn="ctr">
+            <a:solidFill>
+              <a:schemeClr val="accent3"/>
+            </a:solidFill>
+            <a:prstDash val="dash"/>
+            <a:round/>
+            <a:headEnd type="none" w="med" len="med"/>
+            <a:tailEnd type="none" w="med" len="med"/>
+          </a:ln>
+        </p:spPr>
+        <p:style>
+          <a:lnRef idx="0">
+            <a:scrgbClr r="0" g="0" b="0"/>
+          </a:lnRef>
+          <a:fillRef idx="0">
+            <a:scrgbClr r="0" g="0" b="0"/>
+          </a:fillRef>
+          <a:effectRef idx="0">
+            <a:scrgbClr r="0" g="0" b="0"/>
+          </a:effectRef>
+          <a:fontRef idx="minor">
+            <a:schemeClr val="tx1"/>
+          </a:fontRef>
+        </p:style>
+      </p:cxnSp>
+      <p:cxnSp>
+        <p:nvCxnSpPr>
+          <p:cNvPr id="62" name="直接连接符 61">
+            <a:extLst>
+              <a:ext uri="{FF2B5EF4-FFF2-40B4-BE49-F238E27FC236}">
+                <a16:creationId xmlns:a16="http://schemas.microsoft.com/office/drawing/2014/main" id="{71513585-2402-4773-B202-B5A94B9B4E68}"/>
+              </a:ext>
+            </a:extLst>
+          </p:cNvPr>
+          <p:cNvCxnSpPr>
+            <a:cxnSpLocks/>
+          </p:cNvCxnSpPr>
+          <p:nvPr/>
+        </p:nvCxnSpPr>
+        <p:spPr>
+          <a:xfrm>
+            <a:off x="1334652" y="2199677"/>
+            <a:ext cx="766291" cy="0"/>
+          </a:xfrm>
+          <a:prstGeom prst="line">
+            <a:avLst/>
+          </a:prstGeom>
+          <a:ln w="15875" cap="flat" cmpd="sng" algn="ctr">
+            <a:solidFill>
+              <a:schemeClr val="accent3"/>
+            </a:solidFill>
+            <a:prstDash val="dash"/>
+            <a:round/>
+            <a:headEnd type="none" w="med" len="med"/>
+            <a:tailEnd type="none" w="med" len="med"/>
+          </a:ln>
+        </p:spPr>
+        <p:style>
+          <a:lnRef idx="0">
+            <a:scrgbClr r="0" g="0" b="0"/>
+          </a:lnRef>
+          <a:fillRef idx="0">
+            <a:scrgbClr r="0" g="0" b="0"/>
+          </a:fillRef>
+          <a:effectRef idx="0">
+            <a:scrgbClr r="0" g="0" b="0"/>
+          </a:effectRef>
+          <a:fontRef idx="minor">
+            <a:schemeClr val="tx1"/>
+          </a:fontRef>
+        </p:style>
+      </p:cxnSp>
+      <p:cxnSp>
+        <p:nvCxnSpPr>
+          <p:cNvPr id="64" name="直接连接符 63">
+            <a:extLst>
+              <a:ext uri="{FF2B5EF4-FFF2-40B4-BE49-F238E27FC236}">
+                <a16:creationId xmlns:a16="http://schemas.microsoft.com/office/drawing/2014/main" id="{F11B205F-0707-4A55-ACA4-3B1022C2AD5E}"/>
+              </a:ext>
+            </a:extLst>
+          </p:cNvPr>
+          <p:cNvCxnSpPr>
+            <a:cxnSpLocks/>
+          </p:cNvCxnSpPr>
+          <p:nvPr/>
+        </p:nvCxnSpPr>
+        <p:spPr>
+          <a:xfrm>
+            <a:off x="1010229" y="1926972"/>
+            <a:ext cx="1092193" cy="0"/>
+          </a:xfrm>
+          <a:prstGeom prst="line">
+            <a:avLst/>
+          </a:prstGeom>
+          <a:ln w="15875" cap="flat" cmpd="sng" algn="ctr">
+            <a:solidFill>
+              <a:schemeClr val="accent3"/>
+            </a:solidFill>
+            <a:prstDash val="dash"/>
+            <a:round/>
+            <a:headEnd type="none" w="med" len="med"/>
+            <a:tailEnd type="none" w="med" len="med"/>
+          </a:ln>
+        </p:spPr>
+        <p:style>
+          <a:lnRef idx="0">
+            <a:scrgbClr r="0" g="0" b="0"/>
+          </a:lnRef>
+          <a:fillRef idx="0">
+            <a:scrgbClr r="0" g="0" b="0"/>
+          </a:fillRef>
+          <a:effectRef idx="0">
+            <a:scrgbClr r="0" g="0" b="0"/>
+          </a:effectRef>
+          <a:fontRef idx="minor">
+            <a:schemeClr val="tx1"/>
+          </a:fontRef>
+        </p:style>
+      </p:cxnSp>
+      <p:cxnSp>
+        <p:nvCxnSpPr>
+          <p:cNvPr id="69" name="直接连接符 68">
+            <a:extLst>
+              <a:ext uri="{FF2B5EF4-FFF2-40B4-BE49-F238E27FC236}">
+                <a16:creationId xmlns:a16="http://schemas.microsoft.com/office/drawing/2014/main" id="{C23963EC-181B-4C8C-91B5-30994438B94F}"/>
+              </a:ext>
+            </a:extLst>
+          </p:cNvPr>
+          <p:cNvCxnSpPr>
+            <a:cxnSpLocks/>
+          </p:cNvCxnSpPr>
+          <p:nvPr/>
+        </p:nvCxnSpPr>
+        <p:spPr>
+          <a:xfrm>
+            <a:off x="1014590" y="1641713"/>
+            <a:ext cx="1092193" cy="0"/>
+          </a:xfrm>
+          <a:prstGeom prst="line">
+            <a:avLst/>
+          </a:prstGeom>
+          <a:ln w="15875" cap="flat" cmpd="sng" algn="ctr">
+            <a:solidFill>
+              <a:schemeClr val="accent3"/>
+            </a:solidFill>
+            <a:prstDash val="dash"/>
+            <a:round/>
+            <a:headEnd type="none" w="med" len="med"/>
+            <a:tailEnd type="none" w="med" len="med"/>
+          </a:ln>
+        </p:spPr>
+        <p:style>
+          <a:lnRef idx="0">
+            <a:scrgbClr r="0" g="0" b="0"/>
+          </a:lnRef>
+          <a:fillRef idx="0">
+            <a:scrgbClr r="0" g="0" b="0"/>
+          </a:fillRef>
+          <a:effectRef idx="0">
+            <a:scrgbClr r="0" g="0" b="0"/>
+          </a:effectRef>
+          <a:fontRef idx="minor">
+            <a:schemeClr val="tx1"/>
+          </a:fontRef>
+        </p:style>
+      </p:cxnSp>
+      <p:cxnSp>
+        <p:nvCxnSpPr>
+          <p:cNvPr id="83" name="直接连接符 82">
+            <a:extLst>
+              <a:ext uri="{FF2B5EF4-FFF2-40B4-BE49-F238E27FC236}">
+                <a16:creationId xmlns:a16="http://schemas.microsoft.com/office/drawing/2014/main" id="{2B1DA2A3-4ED3-4440-94B7-BBD22FB36479}"/>
+              </a:ext>
+            </a:extLst>
+          </p:cNvPr>
+          <p:cNvCxnSpPr>
+            <a:cxnSpLocks/>
+          </p:cNvCxnSpPr>
+          <p:nvPr/>
+        </p:nvCxnSpPr>
+        <p:spPr>
+          <a:xfrm flipH="1" flipV="1">
+            <a:off x="1016691" y="1091490"/>
+            <a:ext cx="317961" cy="280751"/>
+          </a:xfrm>
+          <a:prstGeom prst="line">
+            <a:avLst/>
+          </a:prstGeom>
+          <a:ln w="15875" cap="flat" cmpd="sng" algn="ctr">
+            <a:solidFill>
+              <a:schemeClr val="accent3"/>
+            </a:solidFill>
+            <a:prstDash val="dash"/>
+            <a:round/>
+            <a:headEnd type="none" w="med" len="med"/>
+            <a:tailEnd type="none" w="med" len="med"/>
+          </a:ln>
+        </p:spPr>
+        <p:style>
+          <a:lnRef idx="0">
+            <a:scrgbClr r="0" g="0" b="0"/>
+          </a:lnRef>
+          <a:fillRef idx="0">
+            <a:scrgbClr r="0" g="0" b="0"/>
+          </a:fillRef>
+          <a:effectRef idx="0">
+            <a:scrgbClr r="0" g="0" b="0"/>
+          </a:effectRef>
+          <a:fontRef idx="minor">
+            <a:schemeClr val="tx1"/>
+          </a:fontRef>
+        </p:style>
+      </p:cxnSp>
+      <p:cxnSp>
+        <p:nvCxnSpPr>
+          <p:cNvPr id="86" name="直接连接符 85">
+            <a:extLst>
+              <a:ext uri="{FF2B5EF4-FFF2-40B4-BE49-F238E27FC236}">
+                <a16:creationId xmlns:a16="http://schemas.microsoft.com/office/drawing/2014/main" id="{1DDB23F1-BC13-4F76-9BE4-AB93E1600A98}"/>
+              </a:ext>
+            </a:extLst>
+          </p:cNvPr>
+          <p:cNvCxnSpPr>
+            <a:cxnSpLocks/>
+          </p:cNvCxnSpPr>
+          <p:nvPr/>
+        </p:nvCxnSpPr>
+        <p:spPr>
+          <a:xfrm flipH="1">
+            <a:off x="1016692" y="2199677"/>
+            <a:ext cx="314567" cy="276870"/>
+          </a:xfrm>
+          <a:prstGeom prst="line">
+            <a:avLst/>
+          </a:prstGeom>
+          <a:ln w="15875" cap="flat" cmpd="sng" algn="ctr">
+            <a:solidFill>
+              <a:schemeClr val="accent3"/>
+            </a:solidFill>
+            <a:prstDash val="dash"/>
+            <a:round/>
+            <a:headEnd type="none" w="med" len="med"/>
+            <a:tailEnd type="none" w="med" len="med"/>
+          </a:ln>
+        </p:spPr>
+        <p:style>
+          <a:lnRef idx="0">
+            <a:scrgbClr r="0" g="0" b="0"/>
+          </a:lnRef>
+          <a:fillRef idx="0">
+            <a:scrgbClr r="0" g="0" b="0"/>
+          </a:fillRef>
+          <a:effectRef idx="0">
+            <a:scrgbClr r="0" g="0" b="0"/>
+          </a:effectRef>
+          <a:fontRef idx="minor">
+            <a:schemeClr val="tx1"/>
+          </a:fontRef>
+        </p:style>
+      </p:cxnSp>
+      <p:sp>
+        <p:nvSpPr>
+          <p:cNvPr id="5" name="文本框 4">
+            <a:extLst>
+              <a:ext uri="{FF2B5EF4-FFF2-40B4-BE49-F238E27FC236}">
+                <a16:creationId xmlns:a16="http://schemas.microsoft.com/office/drawing/2014/main" id="{D01C0A0C-C039-423C-A515-A9BDBADCF5E6}"/>
+              </a:ext>
+            </a:extLst>
+          </p:cNvPr>
+          <p:cNvSpPr txBox="1"/>
+          <p:nvPr/>
+        </p:nvSpPr>
+        <p:spPr>
+          <a:xfrm>
+            <a:off x="7220637" y="1135930"/>
+            <a:ext cx="4616147" cy="2205732"/>
+          </a:xfrm>
+          <a:prstGeom prst="rect">
+            <a:avLst/>
+          </a:prstGeom>
+          <a:noFill/>
+        </p:spPr>
+        <p:txBody>
+          <a:bodyPr wrap="square" rtlCol="0">
+            <a:spAutoFit/>
+          </a:bodyPr>
+          <a:lstStyle/>
+          <a:p>
+            <a:pPr>
+              <a:lnSpc>
+                <a:spcPts val="2500"/>
+              </a:lnSpc>
+            </a:pPr>
+            <a:r>
+              <a:rPr lang="en-US" sz="1600">
+                <a:latin typeface="Leelawadee UI" panose="020B0502040204020203" pitchFamily="34" charset="-34"/>
+                <a:ea typeface="Microsoft JhengHei Light" panose="020B0304030504040204" pitchFamily="34" charset="-120"/>
+                <a:cs typeface="Leelawadee UI" panose="020B0502040204020203" pitchFamily="34" charset="-34"/>
+              </a:rPr>
+              <a:t>GND: </a:t>
+            </a:r>
+            <a:r>
+              <a:rPr lang="zh-CN" altLang="en-US" sz="1600">
+                <a:latin typeface="华文楷体" panose="02010600040101010101" pitchFamily="2" charset="-122"/>
+                <a:ea typeface="华文楷体" panose="02010600040101010101" pitchFamily="2" charset="-122"/>
+                <a:cs typeface="Leelawadee UI" panose="020B0502040204020203" pitchFamily="34" charset="-34"/>
+              </a:rPr>
+              <a:t>将此模块</a:t>
+            </a:r>
+            <a:r>
+              <a:rPr lang="en-US" sz="1600">
+                <a:latin typeface="华文楷体" panose="02010600040101010101" pitchFamily="2" charset="-122"/>
+                <a:ea typeface="华文楷体" panose="02010600040101010101" pitchFamily="2" charset="-122"/>
+                <a:cs typeface="Leelawadee UI" panose="020B0502040204020203" pitchFamily="34" charset="-34"/>
+              </a:rPr>
+              <a:t> </a:t>
+            </a:r>
+            <a:r>
+              <a:rPr lang="en-US" sz="1600">
+                <a:latin typeface="Leelawadee UI" panose="020B0502040204020203" pitchFamily="34" charset="-34"/>
+                <a:ea typeface="Microsoft JhengHei Light" panose="020B0304030504040204" pitchFamily="34" charset="-120"/>
+                <a:cs typeface="Leelawadee UI" panose="020B0502040204020203" pitchFamily="34" charset="-34"/>
+              </a:rPr>
+              <a:t>GND </a:t>
+            </a:r>
+            <a:r>
+              <a:rPr lang="zh-CN" altLang="en-US" sz="1600">
+                <a:latin typeface="华文楷体" panose="02010600040101010101" pitchFamily="2" charset="-122"/>
+                <a:ea typeface="华文楷体" panose="02010600040101010101" pitchFamily="2" charset="-122"/>
+                <a:cs typeface="Leelawadee UI" panose="020B0502040204020203" pitchFamily="34" charset="-34"/>
+              </a:rPr>
+              <a:t>连接到系统 </a:t>
+            </a:r>
+            <a:r>
+              <a:rPr lang="en-US" altLang="zh-CN" sz="1600">
+                <a:latin typeface="Leelawadee UI" panose="020B0502040204020203" pitchFamily="34" charset="-34"/>
+                <a:ea typeface="Microsoft JhengHei Light" panose="020B0304030504040204" pitchFamily="34" charset="-120"/>
+                <a:cs typeface="Leelawadee UI" panose="020B0502040204020203" pitchFamily="34" charset="-34"/>
+              </a:rPr>
+              <a:t>GND</a:t>
+            </a:r>
+            <a:r>
+              <a:rPr lang="en-US" sz="1600">
+                <a:latin typeface="Leelawadee UI" panose="020B0502040204020203" pitchFamily="34" charset="-34"/>
+                <a:ea typeface="Microsoft JhengHei Light" panose="020B0304030504040204" pitchFamily="34" charset="-120"/>
+                <a:cs typeface="Leelawadee UI" panose="020B0502040204020203" pitchFamily="34" charset="-34"/>
+              </a:rPr>
+              <a:t> </a:t>
+            </a:r>
+          </a:p>
+          <a:p>
+            <a:pPr>
+              <a:lnSpc>
+                <a:spcPts val="2500"/>
+              </a:lnSpc>
+            </a:pPr>
+            <a:r>
+              <a:rPr lang="en-US" sz="1600">
+                <a:latin typeface="Leelawadee UI" panose="020B0502040204020203" pitchFamily="34" charset="-34"/>
+                <a:ea typeface="Microsoft JhengHei Light" panose="020B0304030504040204" pitchFamily="34" charset="-120"/>
+                <a:cs typeface="Leelawadee UI" panose="020B0502040204020203" pitchFamily="34" charset="-34"/>
+              </a:rPr>
+              <a:t>VCC: </a:t>
+            </a:r>
+            <a:r>
+              <a:rPr lang="zh-CN" altLang="en-US" sz="1600">
+                <a:latin typeface="华文楷体" panose="02010600040101010101" pitchFamily="2" charset="-122"/>
+                <a:ea typeface="华文楷体" panose="02010600040101010101" pitchFamily="2" charset="-122"/>
+                <a:cs typeface="Leelawadee UI" panose="020B0502040204020203" pitchFamily="34" charset="-34"/>
+              </a:rPr>
+              <a:t>您可使用 </a:t>
+            </a:r>
+            <a:r>
+              <a:rPr lang="en-US" sz="1600">
+                <a:latin typeface="Leelawadee UI" panose="020B0502040204020203" pitchFamily="34" charset="-34"/>
+                <a:ea typeface="Microsoft JhengHei Light" panose="020B0304030504040204" pitchFamily="34" charset="-120"/>
+                <a:cs typeface="Leelawadee UI" panose="020B0502040204020203" pitchFamily="34" charset="-34"/>
+              </a:rPr>
+              <a:t>5V </a:t>
+            </a:r>
+            <a:r>
+              <a:rPr lang="zh-CN" altLang="en-US" sz="1600">
+                <a:latin typeface="华文楷体" panose="02010600040101010101" pitchFamily="2" charset="-122"/>
+                <a:ea typeface="华文楷体" panose="02010600040101010101" pitchFamily="2" charset="-122"/>
+                <a:cs typeface="Leelawadee UI" panose="020B0502040204020203" pitchFamily="34" charset="-34"/>
+              </a:rPr>
+              <a:t>或</a:t>
+            </a:r>
+            <a:r>
+              <a:rPr lang="en-US" sz="1600">
+                <a:latin typeface="Leelawadee UI" panose="020B0502040204020203" pitchFamily="34" charset="-34"/>
+                <a:ea typeface="Microsoft JhengHei Light" panose="020B0304030504040204" pitchFamily="34" charset="-120"/>
+                <a:cs typeface="Leelawadee UI" panose="020B0502040204020203" pitchFamily="34" charset="-34"/>
+              </a:rPr>
+              <a:t> 3.3</a:t>
+            </a:r>
+          </a:p>
+          <a:p>
+            <a:pPr>
+              <a:lnSpc>
+                <a:spcPts val="2500"/>
+              </a:lnSpc>
+            </a:pPr>
+            <a:r>
+              <a:rPr lang="en-US" sz="1600">
+                <a:latin typeface="Leelawadee UI" panose="020B0502040204020203" pitchFamily="34" charset="-34"/>
+                <a:ea typeface="Microsoft JhengHei Light" panose="020B0304030504040204" pitchFamily="34" charset="-120"/>
+                <a:cs typeface="Leelawadee UI" panose="020B0502040204020203" pitchFamily="34" charset="-34"/>
+              </a:rPr>
+              <a:t>SDA: </a:t>
+            </a:r>
+            <a:r>
+              <a:rPr lang="zh-CN" altLang="en-US" sz="1600">
+                <a:latin typeface="华文楷体" panose="02010600040101010101" pitchFamily="2" charset="-122"/>
+                <a:ea typeface="华文楷体" panose="02010600040101010101" pitchFamily="2" charset="-122"/>
+                <a:cs typeface="Leelawadee UI" panose="020B0502040204020203" pitchFamily="34" charset="-34"/>
+              </a:rPr>
+              <a:t>串行数据</a:t>
+            </a:r>
+            <a:endParaRPr lang="en-US" altLang="zh-CN" sz="1600">
+              <a:latin typeface="华文楷体" panose="02010600040101010101" pitchFamily="2" charset="-122"/>
+              <a:ea typeface="华文楷体" panose="02010600040101010101" pitchFamily="2" charset="-122"/>
+              <a:cs typeface="Leelawadee UI" panose="020B0502040204020203" pitchFamily="34" charset="-34"/>
+            </a:endParaRPr>
+          </a:p>
+          <a:p>
+            <a:pPr>
+              <a:lnSpc>
+                <a:spcPts val="2500"/>
+              </a:lnSpc>
+            </a:pPr>
+            <a:r>
+              <a:rPr lang="en-US" sz="1600">
+                <a:latin typeface="Leelawadee UI" panose="020B0502040204020203" pitchFamily="34" charset="-34"/>
+                <a:ea typeface="Microsoft JhengHei Light" panose="020B0304030504040204" pitchFamily="34" charset="-120"/>
+                <a:cs typeface="Leelawadee UI" panose="020B0502040204020203" pitchFamily="34" charset="-34"/>
+              </a:rPr>
+              <a:t>SCL: </a:t>
+            </a:r>
+            <a:r>
+              <a:rPr lang="zh-CN" altLang="en-US" sz="1600">
+                <a:latin typeface="华文楷体" panose="02010600040101010101" pitchFamily="2" charset="-122"/>
+                <a:ea typeface="华文楷体" panose="02010600040101010101" pitchFamily="2" charset="-122"/>
+                <a:cs typeface="Leelawadee UI" panose="020B0502040204020203" pitchFamily="34" charset="-34"/>
+              </a:rPr>
+              <a:t>串行时钟</a:t>
+            </a:r>
+            <a:endParaRPr lang="en-US" sz="1600">
+              <a:latin typeface="华文楷体" panose="02010600040101010101" pitchFamily="2" charset="-122"/>
+              <a:ea typeface="华文楷体" panose="02010600040101010101" pitchFamily="2" charset="-122"/>
+              <a:cs typeface="Leelawadee UI" panose="020B0502040204020203" pitchFamily="34" charset="-34"/>
+            </a:endParaRPr>
+          </a:p>
+          <a:p>
+            <a:endParaRPr lang="en-US" sz="1200">
+              <a:solidFill>
+                <a:srgbClr val="D4D4D4"/>
+              </a:solidFill>
+              <a:latin typeface="Consolas" panose="020B0609020204030204" pitchFamily="49" charset="0"/>
+            </a:endParaRPr>
+          </a:p>
+          <a:p>
+            <a:endParaRPr lang="en-US" sz="1200">
+              <a:latin typeface="Times New Roman" panose="02020603050405020304" pitchFamily="18" charset="0"/>
+              <a:cs typeface="Times New Roman" panose="02020603050405020304" pitchFamily="18" charset="0"/>
+            </a:endParaRPr>
+          </a:p>
+          <a:p>
+            <a:endParaRPr lang="en-US" sz="1200">
+              <a:latin typeface="Times New Roman" panose="02020603050405020304" pitchFamily="18" charset="0"/>
+              <a:cs typeface="Times New Roman" panose="02020603050405020304" pitchFamily="18" charset="0"/>
+            </a:endParaRPr>
+          </a:p>
+          <a:p>
+            <a:endParaRPr lang="en-US"/>
+          </a:p>
+        </p:txBody>
+      </p:sp>
+      <p:pic>
+        <p:nvPicPr>
+          <p:cNvPr id="41" name="图片 40">
+            <a:extLst>
+              <a:ext uri="{FF2B5EF4-FFF2-40B4-BE49-F238E27FC236}">
+                <a16:creationId xmlns:a16="http://schemas.microsoft.com/office/drawing/2014/main" id="{8110F9A4-B316-4668-B76E-588920D7EC59}"/>
+              </a:ext>
+            </a:extLst>
+          </p:cNvPr>
+          <p:cNvPicPr>
+            <a:picLocks noChangeAspect="1"/>
+          </p:cNvPicPr>
+          <p:nvPr/>
+        </p:nvPicPr>
+        <p:blipFill>
+          <a:blip r:embed="rId3">
+            <a:extLst>
+              <a:ext uri="{28A0092B-C50C-407E-A947-70E740481C1C}">
+                <a14:useLocalDpi xmlns:a14="http://schemas.microsoft.com/office/drawing/2010/main" val="0"/>
+              </a:ext>
+            </a:extLst>
+          </a:blip>
+          <a:stretch>
+            <a:fillRect/>
+          </a:stretch>
+        </p:blipFill>
+        <p:spPr>
+          <a:xfrm>
+            <a:off x="3187446" y="6024816"/>
+            <a:ext cx="308854" cy="265176"/>
+          </a:xfrm>
+          <a:prstGeom prst="rect">
+            <a:avLst/>
+          </a:prstGeom>
+        </p:spPr>
+      </p:pic>
+      <p:pic>
+        <p:nvPicPr>
+          <p:cNvPr id="42" name="图片 41">
+            <a:extLst>
+              <a:ext uri="{FF2B5EF4-FFF2-40B4-BE49-F238E27FC236}">
+                <a16:creationId xmlns:a16="http://schemas.microsoft.com/office/drawing/2014/main" id="{5A9314E5-A8C8-497F-B696-1F14F1DC9A59}"/>
+              </a:ext>
+            </a:extLst>
+          </p:cNvPr>
+          <p:cNvPicPr>
+            <a:picLocks noChangeAspect="1"/>
+          </p:cNvPicPr>
+          <p:nvPr/>
+        </p:nvPicPr>
+        <p:blipFill>
+          <a:blip r:embed="rId4">
+            <a:extLst>
+              <a:ext uri="{28A0092B-C50C-407E-A947-70E740481C1C}">
+                <a14:useLocalDpi xmlns:a14="http://schemas.microsoft.com/office/drawing/2010/main" val="0"/>
+              </a:ext>
+            </a:extLst>
+          </a:blip>
+          <a:stretch>
+            <a:fillRect/>
+          </a:stretch>
+        </p:blipFill>
+        <p:spPr>
+          <a:xfrm>
+            <a:off x="3192112" y="4461701"/>
+            <a:ext cx="308854" cy="265176"/>
+          </a:xfrm>
+          <a:prstGeom prst="rect">
+            <a:avLst/>
+          </a:prstGeom>
+        </p:spPr>
+      </p:pic>
+      <p:pic>
+        <p:nvPicPr>
+          <p:cNvPr id="43" name="图片 42">
+            <a:extLst>
+              <a:ext uri="{FF2B5EF4-FFF2-40B4-BE49-F238E27FC236}">
+                <a16:creationId xmlns:a16="http://schemas.microsoft.com/office/drawing/2014/main" id="{384E8E12-1645-4133-911A-319D1CD735BE}"/>
+              </a:ext>
+            </a:extLst>
+          </p:cNvPr>
+          <p:cNvPicPr>
+            <a:picLocks noChangeAspect="1"/>
+          </p:cNvPicPr>
+          <p:nvPr/>
+        </p:nvPicPr>
+        <p:blipFill>
+          <a:blip r:embed="rId5">
+            <a:extLst>
+              <a:ext uri="{28A0092B-C50C-407E-A947-70E740481C1C}">
+                <a14:useLocalDpi xmlns:a14="http://schemas.microsoft.com/office/drawing/2010/main" val="0"/>
+              </a:ext>
+            </a:extLst>
+          </a:blip>
+          <a:stretch>
+            <a:fillRect/>
+          </a:stretch>
+        </p:blipFill>
+        <p:spPr>
+          <a:xfrm>
+            <a:off x="3192112" y="4774324"/>
+            <a:ext cx="308854" cy="265176"/>
+          </a:xfrm>
+          <a:prstGeom prst="rect">
+            <a:avLst/>
+          </a:prstGeom>
+        </p:spPr>
+      </p:pic>
+      <p:pic>
+        <p:nvPicPr>
+          <p:cNvPr id="44" name="图片 43">
+            <a:extLst>
+              <a:ext uri="{FF2B5EF4-FFF2-40B4-BE49-F238E27FC236}">
+                <a16:creationId xmlns:a16="http://schemas.microsoft.com/office/drawing/2014/main" id="{1ADBCB1E-0F5D-4CD0-8001-9E8F7325A624}"/>
+              </a:ext>
+            </a:extLst>
+          </p:cNvPr>
+          <p:cNvPicPr>
+            <a:picLocks noChangeAspect="1"/>
+          </p:cNvPicPr>
+          <p:nvPr/>
+        </p:nvPicPr>
+        <p:blipFill>
+          <a:blip r:embed="rId6">
+            <a:extLst>
+              <a:ext uri="{28A0092B-C50C-407E-A947-70E740481C1C}">
+                <a14:useLocalDpi xmlns:a14="http://schemas.microsoft.com/office/drawing/2010/main" val="0"/>
+              </a:ext>
+            </a:extLst>
+          </a:blip>
+          <a:stretch>
+            <a:fillRect/>
+          </a:stretch>
+        </p:blipFill>
+        <p:spPr>
+          <a:xfrm>
+            <a:off x="3192112" y="5086947"/>
+            <a:ext cx="308854" cy="265176"/>
+          </a:xfrm>
+          <a:prstGeom prst="rect">
+            <a:avLst/>
+          </a:prstGeom>
+        </p:spPr>
+      </p:pic>
+      <p:pic>
+        <p:nvPicPr>
+          <p:cNvPr id="45" name="图片 44">
+            <a:extLst>
+              <a:ext uri="{FF2B5EF4-FFF2-40B4-BE49-F238E27FC236}">
+                <a16:creationId xmlns:a16="http://schemas.microsoft.com/office/drawing/2014/main" id="{83D4292D-0A98-4CD8-AC3A-2CB5091F0A45}"/>
+              </a:ext>
+            </a:extLst>
+          </p:cNvPr>
+          <p:cNvPicPr>
+            <a:picLocks noChangeAspect="1"/>
+          </p:cNvPicPr>
+          <p:nvPr/>
+        </p:nvPicPr>
+        <p:blipFill>
+          <a:blip r:embed="rId7">
+            <a:extLst>
+              <a:ext uri="{28A0092B-C50C-407E-A947-70E740481C1C}">
+                <a14:useLocalDpi xmlns:a14="http://schemas.microsoft.com/office/drawing/2010/main" val="0"/>
+              </a:ext>
+            </a:extLst>
+          </a:blip>
+          <a:stretch>
+            <a:fillRect/>
+          </a:stretch>
+        </p:blipFill>
+        <p:spPr>
+          <a:xfrm>
+            <a:off x="3192112" y="5399570"/>
+            <a:ext cx="308854" cy="265176"/>
+          </a:xfrm>
+          <a:prstGeom prst="rect">
+            <a:avLst/>
+          </a:prstGeom>
+        </p:spPr>
+      </p:pic>
+      <p:pic>
+        <p:nvPicPr>
+          <p:cNvPr id="46" name="图片 45">
+            <a:extLst>
+              <a:ext uri="{FF2B5EF4-FFF2-40B4-BE49-F238E27FC236}">
+                <a16:creationId xmlns:a16="http://schemas.microsoft.com/office/drawing/2014/main" id="{E191A2E1-4BDE-4C10-815A-6A43655A2D52}"/>
+              </a:ext>
+            </a:extLst>
+          </p:cNvPr>
+          <p:cNvPicPr>
+            <a:picLocks noChangeAspect="1"/>
+          </p:cNvPicPr>
+          <p:nvPr/>
+        </p:nvPicPr>
+        <p:blipFill>
+          <a:blip r:embed="rId8">
+            <a:extLst>
+              <a:ext uri="{28A0092B-C50C-407E-A947-70E740481C1C}">
+                <a14:useLocalDpi xmlns:a14="http://schemas.microsoft.com/office/drawing/2010/main" val="0"/>
+              </a:ext>
+            </a:extLst>
+          </a:blip>
+          <a:stretch>
+            <a:fillRect/>
+          </a:stretch>
+        </p:blipFill>
+        <p:spPr>
+          <a:xfrm>
+            <a:off x="3192112" y="5712193"/>
+            <a:ext cx="308854" cy="265176"/>
+          </a:xfrm>
+          <a:prstGeom prst="rect">
+            <a:avLst/>
+          </a:prstGeom>
+        </p:spPr>
+      </p:pic>
+      <p:sp>
+        <p:nvSpPr>
+          <p:cNvPr id="47" name="文本框 46">
+            <a:extLst>
+              <a:ext uri="{FF2B5EF4-FFF2-40B4-BE49-F238E27FC236}">
+                <a16:creationId xmlns:a16="http://schemas.microsoft.com/office/drawing/2014/main" id="{5E3B7A5C-530D-4190-A732-F17826D738C9}"/>
+              </a:ext>
+            </a:extLst>
+          </p:cNvPr>
+          <p:cNvSpPr txBox="1"/>
+          <p:nvPr/>
+        </p:nvSpPr>
+        <p:spPr>
+          <a:xfrm>
+            <a:off x="3496300" y="4395747"/>
+            <a:ext cx="6241356" cy="2846933"/>
+          </a:xfrm>
+          <a:prstGeom prst="rect">
+            <a:avLst/>
+          </a:prstGeom>
+          <a:noFill/>
+        </p:spPr>
+        <p:txBody>
+          <a:bodyPr wrap="square" rtlCol="0">
+            <a:spAutoFit/>
+          </a:bodyPr>
+          <a:lstStyle/>
+          <a:p>
+            <a:pPr>
+              <a:lnSpc>
+                <a:spcPts val="2500"/>
+              </a:lnSpc>
+            </a:pPr>
+            <a:r>
+              <a:rPr lang="en-US" sz="1600">
+                <a:latin typeface="Leelawadee UI" panose="020B0502040204020203" pitchFamily="34" charset="-34"/>
+                <a:ea typeface="Microsoft JhengHei Light" panose="020B0304030504040204" pitchFamily="34" charset="-120"/>
+                <a:cs typeface="Leelawadee UI" panose="020B0502040204020203" pitchFamily="34" charset="-34"/>
+              </a:rPr>
+              <a:t>Switch 1: </a:t>
+            </a:r>
+            <a:r>
+              <a:rPr lang="zh-CN" altLang="en-US" sz="1600">
+                <a:latin typeface="华文楷体" panose="02010600040101010101" pitchFamily="2" charset="-122"/>
+                <a:ea typeface="华文楷体" panose="02010600040101010101" pitchFamily="2" charset="-122"/>
+                <a:cs typeface="Leelawadee UI" panose="020B0502040204020203" pitchFamily="34" charset="-34"/>
+              </a:rPr>
+              <a:t>默认高电平，开关打开时变低</a:t>
+            </a:r>
+            <a:endParaRPr lang="en-US" sz="1600" b="1">
+              <a:latin typeface="华文楷体" panose="02010600040101010101" pitchFamily="2" charset="-122"/>
+              <a:ea typeface="华文楷体" panose="02010600040101010101" pitchFamily="2" charset="-122"/>
+              <a:cs typeface="Leelawadee UI" panose="020B0502040204020203" pitchFamily="34" charset="-34"/>
+            </a:endParaRPr>
+          </a:p>
+          <a:p>
+            <a:pPr>
+              <a:lnSpc>
+                <a:spcPts val="2500"/>
+              </a:lnSpc>
+            </a:pPr>
+            <a:r>
+              <a:rPr lang="en-US" sz="1600">
+                <a:latin typeface="Leelawadee UI" panose="020B0502040204020203" pitchFamily="34" charset="-34"/>
+                <a:ea typeface="Microsoft JhengHei Light" panose="020B0304030504040204" pitchFamily="34" charset="-120"/>
+                <a:cs typeface="Leelawadee UI" panose="020B0502040204020203" pitchFamily="34" charset="-34"/>
+              </a:rPr>
+              <a:t>Switch 2: </a:t>
+            </a:r>
+            <a:r>
+              <a:rPr lang="zh-CN" altLang="en-US" sz="1600">
+                <a:latin typeface="华文楷体" panose="02010600040101010101" pitchFamily="2" charset="-122"/>
+                <a:ea typeface="华文楷体" panose="02010600040101010101" pitchFamily="2" charset="-122"/>
+                <a:cs typeface="Leelawadee UI" panose="020B0502040204020203" pitchFamily="34" charset="-34"/>
+              </a:rPr>
+              <a:t>默认高电平，开关打开时变低</a:t>
+            </a:r>
+            <a:endParaRPr lang="en-US" sz="1600" b="1">
+              <a:latin typeface="华文楷体" panose="02010600040101010101" pitchFamily="2" charset="-122"/>
+              <a:ea typeface="华文楷体" panose="02010600040101010101" pitchFamily="2" charset="-122"/>
+              <a:cs typeface="Leelawadee UI" panose="020B0502040204020203" pitchFamily="34" charset="-34"/>
+            </a:endParaRPr>
+          </a:p>
+          <a:p>
+            <a:pPr>
+              <a:lnSpc>
+                <a:spcPts val="2500"/>
+              </a:lnSpc>
+            </a:pPr>
+            <a:r>
+              <a:rPr lang="en-US" sz="1600">
+                <a:latin typeface="Leelawadee UI" panose="020B0502040204020203" pitchFamily="34" charset="-34"/>
+                <a:ea typeface="Microsoft JhengHei Light" panose="020B0304030504040204" pitchFamily="34" charset="-120"/>
+                <a:cs typeface="Leelawadee UI" panose="020B0502040204020203" pitchFamily="34" charset="-34"/>
+              </a:rPr>
+              <a:t>Switch 3: </a:t>
+            </a:r>
+            <a:r>
+              <a:rPr lang="zh-CN" altLang="en-US" sz="1600">
+                <a:latin typeface="华文楷体" panose="02010600040101010101" pitchFamily="2" charset="-122"/>
+                <a:ea typeface="华文楷体" panose="02010600040101010101" pitchFamily="2" charset="-122"/>
+                <a:cs typeface="Leelawadee UI" panose="020B0502040204020203" pitchFamily="34" charset="-34"/>
+              </a:rPr>
+              <a:t>默认高电平，开关打开时变低</a:t>
+            </a:r>
+            <a:endParaRPr lang="en-US" sz="1600" b="1">
+              <a:latin typeface="华文楷体" panose="02010600040101010101" pitchFamily="2" charset="-122"/>
+              <a:ea typeface="华文楷体" panose="02010600040101010101" pitchFamily="2" charset="-122"/>
+              <a:cs typeface="Leelawadee UI" panose="020B0502040204020203" pitchFamily="34" charset="-34"/>
+            </a:endParaRPr>
+          </a:p>
+          <a:p>
+            <a:pPr>
+              <a:lnSpc>
+                <a:spcPts val="2500"/>
+              </a:lnSpc>
+            </a:pPr>
+            <a:r>
+              <a:rPr lang="en-US" sz="1600">
+                <a:latin typeface="Leelawadee UI" panose="020B0502040204020203" pitchFamily="34" charset="-34"/>
+                <a:ea typeface="Microsoft JhengHei Light" panose="020B0304030504040204" pitchFamily="34" charset="-120"/>
+                <a:cs typeface="Leelawadee UI" panose="020B0502040204020203" pitchFamily="34" charset="-34"/>
+              </a:rPr>
+              <a:t>Switch 4: </a:t>
+            </a:r>
+            <a:r>
+              <a:rPr lang="zh-CN" altLang="en-US" sz="1600">
+                <a:latin typeface="华文楷体" panose="02010600040101010101" pitchFamily="2" charset="-122"/>
+                <a:ea typeface="华文楷体" panose="02010600040101010101" pitchFamily="2" charset="-122"/>
+                <a:cs typeface="Leelawadee UI" panose="020B0502040204020203" pitchFamily="34" charset="-34"/>
+              </a:rPr>
+              <a:t>默认高电平，开关打开时变低</a:t>
+            </a:r>
+            <a:endParaRPr lang="en-US" sz="1600" b="1">
+              <a:latin typeface="华文楷体" panose="02010600040101010101" pitchFamily="2" charset="-122"/>
+              <a:ea typeface="华文楷体" panose="02010600040101010101" pitchFamily="2" charset="-122"/>
+              <a:cs typeface="Leelawadee UI" panose="020B0502040204020203" pitchFamily="34" charset="-34"/>
+            </a:endParaRPr>
+          </a:p>
+          <a:p>
+            <a:pPr>
+              <a:lnSpc>
+                <a:spcPts val="2500"/>
+              </a:lnSpc>
+            </a:pPr>
+            <a:r>
+              <a:rPr lang="en-US" sz="1600">
+                <a:latin typeface="Leelawadee UI" panose="020B0502040204020203" pitchFamily="34" charset="-34"/>
+                <a:ea typeface="Microsoft JhengHei Light" panose="020B0304030504040204" pitchFamily="34" charset="-120"/>
+                <a:cs typeface="Leelawadee UI" panose="020B0502040204020203" pitchFamily="34" charset="-34"/>
+              </a:rPr>
+              <a:t>Switch 5: </a:t>
+            </a:r>
+            <a:r>
+              <a:rPr lang="zh-CN" altLang="en-US" sz="1600">
+                <a:latin typeface="华文楷体" panose="02010600040101010101" pitchFamily="2" charset="-122"/>
+                <a:ea typeface="华文楷体" panose="02010600040101010101" pitchFamily="2" charset="-122"/>
+                <a:cs typeface="Leelawadee UI" panose="020B0502040204020203" pitchFamily="34" charset="-34"/>
+              </a:rPr>
+              <a:t>默认高电平，开关打开时变低</a:t>
+            </a:r>
+            <a:endParaRPr lang="en-US" sz="1600" b="1">
+              <a:latin typeface="华文楷体" panose="02010600040101010101" pitchFamily="2" charset="-122"/>
+              <a:ea typeface="华文楷体" panose="02010600040101010101" pitchFamily="2" charset="-122"/>
+              <a:cs typeface="Leelawadee UI" panose="020B0502040204020203" pitchFamily="34" charset="-34"/>
+            </a:endParaRPr>
+          </a:p>
+          <a:p>
+            <a:pPr>
+              <a:lnSpc>
+                <a:spcPts val="2500"/>
+              </a:lnSpc>
+            </a:pPr>
+            <a:r>
+              <a:rPr lang="en-US" sz="1600">
+                <a:latin typeface="Leelawadee UI" panose="020B0502040204020203" pitchFamily="34" charset="-34"/>
+                <a:ea typeface="Microsoft JhengHei Light" panose="020B0304030504040204" pitchFamily="34" charset="-120"/>
+                <a:cs typeface="Leelawadee UI" panose="020B0502040204020203" pitchFamily="34" charset="-34"/>
+              </a:rPr>
+              <a:t>Switch 6: </a:t>
+            </a:r>
+            <a:r>
+              <a:rPr lang="zh-CN" altLang="en-US" sz="1600">
+                <a:latin typeface="华文楷体" panose="02010600040101010101" pitchFamily="2" charset="-122"/>
+                <a:ea typeface="华文楷体" panose="02010600040101010101" pitchFamily="2" charset="-122"/>
+                <a:cs typeface="Leelawadee UI" panose="020B0502040204020203" pitchFamily="34" charset="-34"/>
+              </a:rPr>
+              <a:t>默认高电平，开关打开时变低</a:t>
+            </a:r>
+            <a:endParaRPr lang="en-US" sz="1600" b="1">
+              <a:latin typeface="华文楷体" panose="02010600040101010101" pitchFamily="2" charset="-122"/>
+              <a:ea typeface="华文楷体" panose="02010600040101010101" pitchFamily="2" charset="-122"/>
+              <a:cs typeface="Leelawadee UI" panose="020B0502040204020203" pitchFamily="34" charset="-34"/>
+            </a:endParaRPr>
+          </a:p>
+          <a:p>
+            <a:endParaRPr lang="en-US" sz="1200">
+              <a:solidFill>
+                <a:srgbClr val="D4D4D4"/>
+              </a:solidFill>
+              <a:latin typeface="Consolas" panose="020B0609020204030204" pitchFamily="49" charset="0"/>
+            </a:endParaRPr>
+          </a:p>
+          <a:p>
+            <a:endParaRPr lang="en-US" sz="1200">
+              <a:latin typeface="Times New Roman" panose="02020603050405020304" pitchFamily="18" charset="0"/>
+              <a:cs typeface="Times New Roman" panose="02020603050405020304" pitchFamily="18" charset="0"/>
+            </a:endParaRPr>
+          </a:p>
+          <a:p>
+            <a:endParaRPr lang="en-US" sz="1200">
+              <a:latin typeface="Times New Roman" panose="02020603050405020304" pitchFamily="18" charset="0"/>
+              <a:cs typeface="Times New Roman" panose="02020603050405020304" pitchFamily="18" charset="0"/>
+            </a:endParaRPr>
+          </a:p>
+          <a:p>
+            <a:endParaRPr lang="en-US"/>
+          </a:p>
+        </p:txBody>
+      </p:sp>
+      <p:grpSp>
+        <p:nvGrpSpPr>
+          <p:cNvPr id="2" name="组合 1">
+            <a:extLst>
+              <a:ext uri="{FF2B5EF4-FFF2-40B4-BE49-F238E27FC236}">
+                <a16:creationId xmlns:a16="http://schemas.microsoft.com/office/drawing/2014/main" id="{824D493F-1853-4A3A-86B7-C95C01AE00F9}"/>
+              </a:ext>
+            </a:extLst>
+          </p:cNvPr>
+          <p:cNvGrpSpPr/>
+          <p:nvPr/>
+        </p:nvGrpSpPr>
+        <p:grpSpPr>
+          <a:xfrm>
+            <a:off x="544772" y="856434"/>
+            <a:ext cx="476250" cy="1886426"/>
+            <a:chOff x="2261625" y="1357253"/>
+            <a:chExt cx="476250" cy="1886426"/>
+          </a:xfrm>
+        </p:grpSpPr>
+        <p:pic>
+          <p:nvPicPr>
+            <p:cNvPr id="48" name="图片 47">
+              <a:extLst>
+                <a:ext uri="{FF2B5EF4-FFF2-40B4-BE49-F238E27FC236}">
+                  <a16:creationId xmlns:a16="http://schemas.microsoft.com/office/drawing/2014/main" id="{6A1EF724-C083-4718-B12B-ADE4CD6E6593}"/>
+                </a:ext>
+              </a:extLst>
+            </p:cNvPr>
+            <p:cNvPicPr>
+              <a:picLocks noChangeAspect="1"/>
+            </p:cNvPicPr>
+            <p:nvPr/>
+          </p:nvPicPr>
+          <p:blipFill>
+            <a:blip r:embed="rId9">
+              <a:extLst>
+                <a:ext uri="{28A0092B-C50C-407E-A947-70E740481C1C}">
+                  <a14:useLocalDpi xmlns:a14="http://schemas.microsoft.com/office/drawing/2010/main" val="0"/>
+                </a:ext>
+              </a:extLst>
+            </a:blip>
+            <a:stretch>
+              <a:fillRect/>
+            </a:stretch>
+          </p:blipFill>
+          <p:spPr>
+            <a:xfrm>
+              <a:off x="2261625" y="1827312"/>
+              <a:ext cx="476250" cy="476250"/>
+            </a:xfrm>
+            <a:prstGeom prst="rect">
+              <a:avLst/>
+            </a:prstGeom>
+          </p:spPr>
+        </p:pic>
+        <p:pic>
+          <p:nvPicPr>
+            <p:cNvPr id="51" name="图片 50">
+              <a:extLst>
+                <a:ext uri="{FF2B5EF4-FFF2-40B4-BE49-F238E27FC236}">
+                  <a16:creationId xmlns:a16="http://schemas.microsoft.com/office/drawing/2014/main" id="{B4A0FEB6-8C80-4A2D-A4DA-3DD6CF6BF267}"/>
+                </a:ext>
+              </a:extLst>
+            </p:cNvPr>
+            <p:cNvPicPr>
+              <a:picLocks noChangeAspect="1"/>
+            </p:cNvPicPr>
+            <p:nvPr/>
+          </p:nvPicPr>
+          <p:blipFill>
+            <a:blip r:embed="rId10">
+              <a:extLst>
+                <a:ext uri="{28A0092B-C50C-407E-A947-70E740481C1C}">
+                  <a14:useLocalDpi xmlns:a14="http://schemas.microsoft.com/office/drawing/2010/main" val="0"/>
+                </a:ext>
+              </a:extLst>
+            </a:blip>
+            <a:stretch>
+              <a:fillRect/>
+            </a:stretch>
+          </p:blipFill>
+          <p:spPr>
+            <a:xfrm>
+              <a:off x="2261625" y="1357253"/>
+              <a:ext cx="476250" cy="476250"/>
+            </a:xfrm>
+            <a:prstGeom prst="rect">
+              <a:avLst/>
+            </a:prstGeom>
+          </p:spPr>
+        </p:pic>
+        <p:pic>
+          <p:nvPicPr>
+            <p:cNvPr id="53" name="图片 52">
+              <a:extLst>
+                <a:ext uri="{FF2B5EF4-FFF2-40B4-BE49-F238E27FC236}">
+                  <a16:creationId xmlns:a16="http://schemas.microsoft.com/office/drawing/2014/main" id="{F5F78553-6083-4B94-9258-235169F8D486}"/>
+                </a:ext>
+              </a:extLst>
+            </p:cNvPr>
+            <p:cNvPicPr>
+              <a:picLocks noChangeAspect="1"/>
+            </p:cNvPicPr>
+            <p:nvPr/>
+          </p:nvPicPr>
+          <p:blipFill>
+            <a:blip r:embed="rId11">
+              <a:extLst>
+                <a:ext uri="{28A0092B-C50C-407E-A947-70E740481C1C}">
+                  <a14:useLocalDpi xmlns:a14="http://schemas.microsoft.com/office/drawing/2010/main" val="0"/>
+                </a:ext>
+              </a:extLst>
+            </a:blip>
+            <a:stretch>
+              <a:fillRect/>
+            </a:stretch>
+          </p:blipFill>
+          <p:spPr>
+            <a:xfrm>
+              <a:off x="2261625" y="2767429"/>
+              <a:ext cx="476250" cy="476250"/>
+            </a:xfrm>
+            <a:prstGeom prst="rect">
+              <a:avLst/>
+            </a:prstGeom>
+          </p:spPr>
+        </p:pic>
+        <p:pic>
+          <p:nvPicPr>
+            <p:cNvPr id="55" name="图片 54">
+              <a:extLst>
+                <a:ext uri="{FF2B5EF4-FFF2-40B4-BE49-F238E27FC236}">
+                  <a16:creationId xmlns:a16="http://schemas.microsoft.com/office/drawing/2014/main" id="{78F94C4E-FBEE-4618-B471-EC4E70DB63F7}"/>
+                </a:ext>
+              </a:extLst>
+            </p:cNvPr>
+            <p:cNvPicPr>
+              <a:picLocks noChangeAspect="1"/>
+            </p:cNvPicPr>
+            <p:nvPr/>
+          </p:nvPicPr>
+          <p:blipFill>
+            <a:blip r:embed="rId12">
+              <a:extLst>
+                <a:ext uri="{28A0092B-C50C-407E-A947-70E740481C1C}">
+                  <a14:useLocalDpi xmlns:a14="http://schemas.microsoft.com/office/drawing/2010/main" val="0"/>
+                </a:ext>
+              </a:extLst>
+            </a:blip>
+            <a:stretch>
+              <a:fillRect/>
+            </a:stretch>
+          </p:blipFill>
+          <p:spPr>
+            <a:xfrm>
+              <a:off x="2261625" y="2297371"/>
+              <a:ext cx="476250" cy="476250"/>
+            </a:xfrm>
+            <a:prstGeom prst="rect">
+              <a:avLst/>
+            </a:prstGeom>
+          </p:spPr>
+        </p:pic>
+      </p:grpSp>
+      <p:pic>
+        <p:nvPicPr>
+          <p:cNvPr id="63" name="图片 62">
+            <a:extLst>
+              <a:ext uri="{FF2B5EF4-FFF2-40B4-BE49-F238E27FC236}">
+                <a16:creationId xmlns:a16="http://schemas.microsoft.com/office/drawing/2014/main" id="{A383C15E-94CC-4AB9-857B-0F901B5558E8}"/>
+              </a:ext>
+            </a:extLst>
+          </p:cNvPr>
+          <p:cNvPicPr>
+            <a:picLocks noChangeAspect="1"/>
+          </p:cNvPicPr>
+          <p:nvPr/>
+        </p:nvPicPr>
+        <p:blipFill>
+          <a:blip r:embed="rId9">
+            <a:extLst>
+              <a:ext uri="{28A0092B-C50C-407E-A947-70E740481C1C}">
+                <a14:useLocalDpi xmlns:a14="http://schemas.microsoft.com/office/drawing/2010/main" val="0"/>
+              </a:ext>
+            </a:extLst>
+          </a:blip>
+          <a:stretch>
+            <a:fillRect/>
+          </a:stretch>
+        </p:blipFill>
+        <p:spPr>
+          <a:xfrm>
+            <a:off x="7017491" y="1530756"/>
+            <a:ext cx="266700" cy="266700"/>
+          </a:xfrm>
+          <a:prstGeom prst="rect">
+            <a:avLst/>
+          </a:prstGeom>
+        </p:spPr>
+      </p:pic>
+      <p:pic>
+        <p:nvPicPr>
+          <p:cNvPr id="65" name="图片 64">
+            <a:extLst>
+              <a:ext uri="{FF2B5EF4-FFF2-40B4-BE49-F238E27FC236}">
+                <a16:creationId xmlns:a16="http://schemas.microsoft.com/office/drawing/2014/main" id="{F2711110-C802-4745-8C7A-EE197611809A}"/>
+              </a:ext>
+            </a:extLst>
+          </p:cNvPr>
+          <p:cNvPicPr>
+            <a:picLocks noChangeAspect="1"/>
+          </p:cNvPicPr>
+          <p:nvPr/>
+        </p:nvPicPr>
+        <p:blipFill>
+          <a:blip r:embed="rId10">
+            <a:extLst>
+              <a:ext uri="{28A0092B-C50C-407E-A947-70E740481C1C}">
+                <a14:useLocalDpi xmlns:a14="http://schemas.microsoft.com/office/drawing/2010/main" val="0"/>
+              </a:ext>
+            </a:extLst>
+          </a:blip>
+          <a:stretch>
+            <a:fillRect/>
+          </a:stretch>
+        </p:blipFill>
+        <p:spPr>
+          <a:xfrm>
+            <a:off x="7017491" y="1214451"/>
+            <a:ext cx="266700" cy="266700"/>
+          </a:xfrm>
+          <a:prstGeom prst="rect">
+            <a:avLst/>
+          </a:prstGeom>
+        </p:spPr>
+      </p:pic>
+      <p:pic>
+        <p:nvPicPr>
+          <p:cNvPr id="66" name="图片 65">
+            <a:extLst>
+              <a:ext uri="{FF2B5EF4-FFF2-40B4-BE49-F238E27FC236}">
+                <a16:creationId xmlns:a16="http://schemas.microsoft.com/office/drawing/2014/main" id="{6D42253D-4577-468B-9D40-058E91BD3363}"/>
+              </a:ext>
+            </a:extLst>
+          </p:cNvPr>
+          <p:cNvPicPr>
+            <a:picLocks noChangeAspect="1"/>
+          </p:cNvPicPr>
+          <p:nvPr/>
+        </p:nvPicPr>
+        <p:blipFill>
+          <a:blip r:embed="rId11">
+            <a:extLst>
+              <a:ext uri="{28A0092B-C50C-407E-A947-70E740481C1C}">
+                <a14:useLocalDpi xmlns:a14="http://schemas.microsoft.com/office/drawing/2010/main" val="0"/>
+              </a:ext>
+            </a:extLst>
+          </a:blip>
+          <a:stretch>
+            <a:fillRect/>
+          </a:stretch>
+        </p:blipFill>
+        <p:spPr>
+          <a:xfrm>
+            <a:off x="7017491" y="2163369"/>
+            <a:ext cx="266700" cy="266700"/>
+          </a:xfrm>
+          <a:prstGeom prst="rect">
+            <a:avLst/>
+          </a:prstGeom>
+        </p:spPr>
+      </p:pic>
+      <p:pic>
+        <p:nvPicPr>
+          <p:cNvPr id="67" name="图片 66">
+            <a:extLst>
+              <a:ext uri="{FF2B5EF4-FFF2-40B4-BE49-F238E27FC236}">
+                <a16:creationId xmlns:a16="http://schemas.microsoft.com/office/drawing/2014/main" id="{1A425AE3-AA60-415F-BD5E-43BFD600013A}"/>
+              </a:ext>
+            </a:extLst>
+          </p:cNvPr>
+          <p:cNvPicPr>
+            <a:picLocks noChangeAspect="1"/>
+          </p:cNvPicPr>
+          <p:nvPr/>
+        </p:nvPicPr>
+        <p:blipFill>
+          <a:blip r:embed="rId12">
+            <a:extLst>
+              <a:ext uri="{28A0092B-C50C-407E-A947-70E740481C1C}">
+                <a14:useLocalDpi xmlns:a14="http://schemas.microsoft.com/office/drawing/2010/main" val="0"/>
+              </a:ext>
+            </a:extLst>
+          </a:blip>
+          <a:stretch>
+            <a:fillRect/>
+          </a:stretch>
+        </p:blipFill>
+        <p:spPr>
+          <a:xfrm>
+            <a:off x="7017491" y="1847063"/>
+            <a:ext cx="266700" cy="266700"/>
+          </a:xfrm>
+          <a:prstGeom prst="rect">
+            <a:avLst/>
+          </a:prstGeom>
+        </p:spPr>
+      </p:pic>
+    </p:spTree>
+    <p:extLst>
+      <p:ext uri="{BB962C8B-B14F-4D97-AF65-F5344CB8AC3E}">
+        <p14:creationId xmlns:p14="http://schemas.microsoft.com/office/powerpoint/2010/main" val="1423802183"/>
+      </p:ext>
+    </p:extLst>
+  </p:cSld>
+  <p:clrMapOvr>
+    <a:masterClrMapping/>
+  </p:clrMapOvr>
+</p:sld>
+</file>
+
+<file path=ppt/slides/slide4.xml><?xml version="1.0" encoding="utf-8"?>
+<p:sld xmlns:a="http://schemas.openxmlformats.org/drawingml/2006/main" xmlns:r="http://schemas.openxmlformats.org/officeDocument/2006/relationships" xmlns:p="http://schemas.openxmlformats.org/presentationml/2006/main">
+  <p:cSld>
+    <p:spTree>
+      <p:nvGrpSpPr>
+        <p:cNvPr id="1" name=""/>
+        <p:cNvGrpSpPr/>
+        <p:nvPr/>
+      </p:nvGrpSpPr>
+      <p:grpSpPr>
+        <a:xfrm>
+          <a:off x="0" y="0"/>
+          <a:ext cx="0" cy="0"/>
+          <a:chOff x="0" y="0"/>
+          <a:chExt cx="0" cy="0"/>
+        </a:xfrm>
+      </p:grpSpPr>
+      <p:pic>
+        <p:nvPicPr>
+          <p:cNvPr id="3" name="图片 2">
+            <a:extLst>
+              <a:ext uri="{FF2B5EF4-FFF2-40B4-BE49-F238E27FC236}">
+                <a16:creationId xmlns:a16="http://schemas.microsoft.com/office/drawing/2014/main" id="{615B045D-C6DD-411C-9AEE-280CEF037509}"/>
+              </a:ext>
+            </a:extLst>
+          </p:cNvPr>
+          <p:cNvPicPr>
+            <a:picLocks noChangeAspect="1"/>
+          </p:cNvPicPr>
+          <p:nvPr/>
+        </p:nvPicPr>
+        <p:blipFill>
+          <a:blip r:embed="rId2">
+            <a:extLst>
+              <a:ext uri="{28A0092B-C50C-407E-A947-70E740481C1C}">
+                <a14:useLocalDpi xmlns:a14="http://schemas.microsoft.com/office/drawing/2010/main" val="0"/>
+              </a:ext>
+            </a:extLst>
+          </a:blip>
+          <a:stretch>
+            <a:fillRect/>
+          </a:stretch>
+        </p:blipFill>
+        <p:spPr>
+          <a:xfrm rot="5400000">
+            <a:off x="-10170" y="1179013"/>
+            <a:ext cx="5251315" cy="3938486"/>
+          </a:xfrm>
+          <a:prstGeom prst="rect">
+            <a:avLst/>
+          </a:prstGeom>
+        </p:spPr>
+      </p:pic>
+      <p:cxnSp>
+        <p:nvCxnSpPr>
+          <p:cNvPr id="9" name="直接连接符 8">
+            <a:extLst>
+              <a:ext uri="{FF2B5EF4-FFF2-40B4-BE49-F238E27FC236}">
+                <a16:creationId xmlns:a16="http://schemas.microsoft.com/office/drawing/2014/main" id="{E50FDFEA-C91C-4CBB-8B1A-1E2155BC3C6E}"/>
+              </a:ext>
+            </a:extLst>
+          </p:cNvPr>
+          <p:cNvCxnSpPr>
+            <a:cxnSpLocks/>
+            <a:endCxn id="11" idx="1"/>
+          </p:cNvCxnSpPr>
+          <p:nvPr/>
+        </p:nvCxnSpPr>
+        <p:spPr>
+          <a:xfrm flipV="1">
+            <a:off x="3417897" y="2121543"/>
+            <a:ext cx="1011974" cy="416261"/>
+          </a:xfrm>
+          <a:prstGeom prst="line">
+            <a:avLst/>
+          </a:prstGeom>
+          <a:ln w="9525" cap="flat" cmpd="sng" algn="ctr">
+            <a:solidFill>
+              <a:schemeClr val="accent3"/>
+            </a:solidFill>
+            <a:prstDash val="dash"/>
+            <a:round/>
+            <a:headEnd type="none" w="med" len="med"/>
+            <a:tailEnd type="none" w="med" len="med"/>
+          </a:ln>
+        </p:spPr>
+        <p:style>
+          <a:lnRef idx="0">
+            <a:scrgbClr r="0" g="0" b="0"/>
+          </a:lnRef>
+          <a:fillRef idx="0">
+            <a:scrgbClr r="0" g="0" b="0"/>
+          </a:fillRef>
+          <a:effectRef idx="0">
+            <a:scrgbClr r="0" g="0" b="0"/>
+          </a:effectRef>
+          <a:fontRef idx="minor">
+            <a:schemeClr val="tx1"/>
+          </a:fontRef>
+        </p:style>
+      </p:cxnSp>
+      <p:cxnSp>
+        <p:nvCxnSpPr>
+          <p:cNvPr id="12" name="直接连接符 11">
+            <a:extLst>
+              <a:ext uri="{FF2B5EF4-FFF2-40B4-BE49-F238E27FC236}">
+                <a16:creationId xmlns:a16="http://schemas.microsoft.com/office/drawing/2014/main" id="{93F5C06D-A311-41BC-9EFE-BBEDA2D820B8}"/>
+              </a:ext>
+            </a:extLst>
+          </p:cNvPr>
+          <p:cNvCxnSpPr>
+            <a:cxnSpLocks/>
+            <a:endCxn id="39" idx="1"/>
+          </p:cNvCxnSpPr>
+          <p:nvPr/>
+        </p:nvCxnSpPr>
+        <p:spPr>
+          <a:xfrm>
+            <a:off x="3417897" y="3837762"/>
+            <a:ext cx="1011974" cy="474935"/>
+          </a:xfrm>
+          <a:prstGeom prst="line">
+            <a:avLst/>
+          </a:prstGeom>
+          <a:ln w="9525" cap="flat" cmpd="sng" algn="ctr">
+            <a:solidFill>
+              <a:schemeClr val="accent3"/>
+            </a:solidFill>
+            <a:prstDash val="dash"/>
+            <a:round/>
+            <a:headEnd type="none" w="med" len="med"/>
+            <a:tailEnd type="none" w="med" len="med"/>
+          </a:ln>
+        </p:spPr>
+        <p:style>
+          <a:lnRef idx="0">
+            <a:scrgbClr r="0" g="0" b="0"/>
+          </a:lnRef>
+          <a:fillRef idx="0">
+            <a:scrgbClr r="0" g="0" b="0"/>
+          </a:fillRef>
+          <a:effectRef idx="0">
+            <a:scrgbClr r="0" g="0" b="0"/>
+          </a:effectRef>
+          <a:fontRef idx="minor">
+            <a:schemeClr val="tx1"/>
+          </a:fontRef>
+        </p:style>
+      </p:cxnSp>
+      <p:sp>
+        <p:nvSpPr>
+          <p:cNvPr id="11" name="矩形 10">
+            <a:extLst>
+              <a:ext uri="{FF2B5EF4-FFF2-40B4-BE49-F238E27FC236}">
+                <a16:creationId xmlns:a16="http://schemas.microsoft.com/office/drawing/2014/main" id="{E7DEEE3A-B241-4860-AE77-59AD803ED9F6}"/>
+              </a:ext>
+            </a:extLst>
+          </p:cNvPr>
+          <p:cNvSpPr/>
+          <p:nvPr/>
+        </p:nvSpPr>
+        <p:spPr>
+          <a:xfrm>
+            <a:off x="4429871" y="1909662"/>
+            <a:ext cx="466236" cy="423761"/>
+          </a:xfrm>
+          <a:prstGeom prst="rect">
+            <a:avLst/>
+          </a:prstGeom>
+          <a:solidFill>
+            <a:schemeClr val="bg2">
+              <a:lumMod val="50000"/>
+            </a:schemeClr>
+          </a:solidFill>
+          <a:ln>
+            <a:solidFill>
+              <a:schemeClr val="bg2">
+                <a:lumMod val="50000"/>
+              </a:schemeClr>
+            </a:solidFill>
+          </a:ln>
+        </p:spPr>
+        <p:style>
+          <a:lnRef idx="2">
+            <a:schemeClr val="accent1">
+              <a:shade val="50000"/>
+            </a:schemeClr>
+          </a:lnRef>
+          <a:fillRef idx="1">
+            <a:schemeClr val="accent1"/>
+          </a:fillRef>
+          <a:effectRef idx="0">
+            <a:schemeClr val="accent1"/>
+          </a:effectRef>
+          <a:fontRef idx="minor">
+            <a:schemeClr val="lt1"/>
+          </a:fontRef>
+        </p:style>
+        <p:txBody>
+          <a:bodyPr rtlCol="0" anchor="ctr"/>
+          <a:lstStyle/>
+          <a:p>
+            <a:pPr algn="ctr"/>
+            <a:endParaRPr lang="en-US"/>
+          </a:p>
+        </p:txBody>
+      </p:sp>
+      <p:sp>
+        <p:nvSpPr>
+          <p:cNvPr id="36" name="矩形 35">
+            <a:extLst>
+              <a:ext uri="{FF2B5EF4-FFF2-40B4-BE49-F238E27FC236}">
+                <a16:creationId xmlns:a16="http://schemas.microsoft.com/office/drawing/2014/main" id="{A96F62E8-5406-4873-816E-F09EC10BE688}"/>
+              </a:ext>
+            </a:extLst>
+          </p:cNvPr>
+          <p:cNvSpPr/>
+          <p:nvPr/>
+        </p:nvSpPr>
+        <p:spPr>
+          <a:xfrm>
+            <a:off x="4429871" y="2457451"/>
+            <a:ext cx="466236" cy="423761"/>
+          </a:xfrm>
+          <a:prstGeom prst="rect">
+            <a:avLst/>
+          </a:prstGeom>
+          <a:solidFill>
+            <a:schemeClr val="bg2">
+              <a:lumMod val="50000"/>
+            </a:schemeClr>
+          </a:solidFill>
+          <a:ln>
+            <a:solidFill>
+              <a:schemeClr val="bg2">
+                <a:lumMod val="50000"/>
+              </a:schemeClr>
+            </a:solidFill>
+          </a:ln>
+        </p:spPr>
+        <p:style>
+          <a:lnRef idx="2">
+            <a:schemeClr val="accent1">
+              <a:shade val="50000"/>
+            </a:schemeClr>
+          </a:lnRef>
+          <a:fillRef idx="1">
+            <a:schemeClr val="accent1"/>
+          </a:fillRef>
+          <a:effectRef idx="0">
+            <a:schemeClr val="accent1"/>
+          </a:effectRef>
+          <a:fontRef idx="minor">
+            <a:schemeClr val="lt1"/>
+          </a:fontRef>
+        </p:style>
+        <p:txBody>
+          <a:bodyPr rtlCol="0" anchor="ctr"/>
+          <a:lstStyle/>
+          <a:p>
+            <a:pPr algn="ctr"/>
+            <a:endParaRPr lang="en-US"/>
+          </a:p>
+        </p:txBody>
+      </p:sp>
+      <p:sp>
+        <p:nvSpPr>
+          <p:cNvPr id="37" name="矩形 36">
+            <a:extLst>
+              <a:ext uri="{FF2B5EF4-FFF2-40B4-BE49-F238E27FC236}">
+                <a16:creationId xmlns:a16="http://schemas.microsoft.com/office/drawing/2014/main" id="{619560A3-083F-41D7-A991-168D2F531566}"/>
+              </a:ext>
+            </a:extLst>
+          </p:cNvPr>
+          <p:cNvSpPr/>
+          <p:nvPr/>
+        </p:nvSpPr>
+        <p:spPr>
+          <a:xfrm>
+            <a:off x="4429871" y="3005239"/>
+            <a:ext cx="466236" cy="423761"/>
+          </a:xfrm>
+          <a:prstGeom prst="rect">
+            <a:avLst/>
+          </a:prstGeom>
+          <a:solidFill>
+            <a:schemeClr val="bg2">
+              <a:lumMod val="50000"/>
+            </a:schemeClr>
+          </a:solidFill>
+          <a:ln>
+            <a:solidFill>
+              <a:schemeClr val="bg2">
+                <a:lumMod val="50000"/>
+              </a:schemeClr>
+            </a:solidFill>
+          </a:ln>
+        </p:spPr>
+        <p:style>
+          <a:lnRef idx="2">
+            <a:schemeClr val="accent1">
+              <a:shade val="50000"/>
+            </a:schemeClr>
+          </a:lnRef>
+          <a:fillRef idx="1">
+            <a:schemeClr val="accent1"/>
+          </a:fillRef>
+          <a:effectRef idx="0">
+            <a:schemeClr val="accent1"/>
+          </a:effectRef>
+          <a:fontRef idx="minor">
+            <a:schemeClr val="lt1"/>
+          </a:fontRef>
+        </p:style>
+        <p:txBody>
+          <a:bodyPr rtlCol="0" anchor="ctr"/>
+          <a:lstStyle/>
+          <a:p>
+            <a:pPr algn="ctr"/>
+            <a:endParaRPr lang="en-US"/>
+          </a:p>
+        </p:txBody>
+      </p:sp>
+      <p:sp>
+        <p:nvSpPr>
+          <p:cNvPr id="38" name="矩形 37">
+            <a:extLst>
+              <a:ext uri="{FF2B5EF4-FFF2-40B4-BE49-F238E27FC236}">
+                <a16:creationId xmlns:a16="http://schemas.microsoft.com/office/drawing/2014/main" id="{7263E8A4-AAFA-4DE8-AFFF-74FF843FBE3A}"/>
+              </a:ext>
+            </a:extLst>
+          </p:cNvPr>
+          <p:cNvSpPr/>
+          <p:nvPr/>
+        </p:nvSpPr>
+        <p:spPr>
+          <a:xfrm>
+            <a:off x="4429871" y="3553028"/>
+            <a:ext cx="466236" cy="423761"/>
+          </a:xfrm>
+          <a:prstGeom prst="rect">
+            <a:avLst/>
+          </a:prstGeom>
+          <a:solidFill>
+            <a:schemeClr val="bg2">
+              <a:lumMod val="50000"/>
+            </a:schemeClr>
+          </a:solidFill>
+          <a:ln>
+            <a:solidFill>
+              <a:schemeClr val="bg2">
+                <a:lumMod val="50000"/>
+              </a:schemeClr>
+            </a:solidFill>
+          </a:ln>
+        </p:spPr>
+        <p:style>
+          <a:lnRef idx="2">
+            <a:schemeClr val="accent1">
+              <a:shade val="50000"/>
+            </a:schemeClr>
+          </a:lnRef>
+          <a:fillRef idx="1">
+            <a:schemeClr val="accent1"/>
+          </a:fillRef>
+          <a:effectRef idx="0">
+            <a:schemeClr val="accent1"/>
+          </a:effectRef>
+          <a:fontRef idx="minor">
+            <a:schemeClr val="lt1"/>
+          </a:fontRef>
+        </p:style>
+        <p:txBody>
+          <a:bodyPr rtlCol="0" anchor="ctr"/>
+          <a:lstStyle/>
+          <a:p>
+            <a:pPr algn="ctr"/>
+            <a:endParaRPr lang="en-US"/>
+          </a:p>
+        </p:txBody>
+      </p:sp>
+      <p:sp>
+        <p:nvSpPr>
+          <p:cNvPr id="39" name="矩形 38">
+            <a:extLst>
+              <a:ext uri="{FF2B5EF4-FFF2-40B4-BE49-F238E27FC236}">
+                <a16:creationId xmlns:a16="http://schemas.microsoft.com/office/drawing/2014/main" id="{082D3BAF-EA16-49F8-A6D5-6DABF7C6E168}"/>
+              </a:ext>
+            </a:extLst>
+          </p:cNvPr>
+          <p:cNvSpPr/>
+          <p:nvPr/>
+        </p:nvSpPr>
+        <p:spPr>
+          <a:xfrm>
+            <a:off x="4429871" y="4100816"/>
+            <a:ext cx="466236" cy="423761"/>
+          </a:xfrm>
+          <a:prstGeom prst="rect">
+            <a:avLst/>
+          </a:prstGeom>
+          <a:solidFill>
+            <a:schemeClr val="bg2">
+              <a:lumMod val="50000"/>
+            </a:schemeClr>
+          </a:solidFill>
+          <a:ln>
+            <a:solidFill>
+              <a:schemeClr val="bg2">
+                <a:lumMod val="50000"/>
+              </a:schemeClr>
+            </a:solidFill>
+          </a:ln>
+        </p:spPr>
+        <p:style>
+          <a:lnRef idx="2">
+            <a:schemeClr val="accent1">
+              <a:shade val="50000"/>
+            </a:schemeClr>
+          </a:lnRef>
+          <a:fillRef idx="1">
+            <a:schemeClr val="accent1"/>
+          </a:fillRef>
+          <a:effectRef idx="0">
+            <a:schemeClr val="accent1"/>
+          </a:effectRef>
+          <a:fontRef idx="minor">
+            <a:schemeClr val="lt1"/>
+          </a:fontRef>
+        </p:style>
+        <p:txBody>
+          <a:bodyPr rtlCol="0" anchor="ctr"/>
+          <a:lstStyle/>
+          <a:p>
+            <a:pPr algn="ctr"/>
+            <a:endParaRPr lang="en-US"/>
+          </a:p>
+        </p:txBody>
+      </p:sp>
+      <p:sp>
+        <p:nvSpPr>
+          <p:cNvPr id="15" name="文本框 14">
+            <a:extLst>
+              <a:ext uri="{FF2B5EF4-FFF2-40B4-BE49-F238E27FC236}">
+                <a16:creationId xmlns:a16="http://schemas.microsoft.com/office/drawing/2014/main" id="{F863D4BA-88FE-4A76-9AD7-0D4299BFF731}"/>
+              </a:ext>
+            </a:extLst>
+          </p:cNvPr>
+          <p:cNvSpPr txBox="1"/>
+          <p:nvPr/>
+        </p:nvSpPr>
+        <p:spPr>
+          <a:xfrm>
+            <a:off x="4913861" y="1762909"/>
+            <a:ext cx="4716291" cy="2773131"/>
+          </a:xfrm>
+          <a:prstGeom prst="rect">
+            <a:avLst/>
+          </a:prstGeom>
+          <a:noFill/>
+        </p:spPr>
+        <p:txBody>
+          <a:bodyPr wrap="none" rtlCol="0">
+            <a:spAutoFit/>
+          </a:bodyPr>
+          <a:lstStyle/>
+          <a:p>
+            <a:pPr>
+              <a:lnSpc>
+                <a:spcPts val="4300"/>
+              </a:lnSpc>
+            </a:pPr>
+            <a:r>
+              <a:rPr lang="en-US"/>
+              <a:t>GND: </a:t>
+            </a:r>
+            <a:r>
+              <a:rPr lang="zh-CN" altLang="en-US">
+                <a:latin typeface="华文楷体" panose="02010600040101010101" pitchFamily="2" charset="-122"/>
+                <a:ea typeface="华文楷体" panose="02010600040101010101" pitchFamily="2" charset="-122"/>
+                <a:cs typeface="Leelawadee UI" panose="020B0502040204020203" pitchFamily="34" charset="-34"/>
+              </a:rPr>
+              <a:t>连接到系统</a:t>
+            </a:r>
+            <a:r>
+              <a:rPr lang="en-US">
+                <a:latin typeface="华文楷体" panose="02010600040101010101" pitchFamily="2" charset="-122"/>
+                <a:ea typeface="华文楷体" panose="02010600040101010101" pitchFamily="2" charset="-122"/>
+                <a:cs typeface="Leelawadee UI" panose="020B0502040204020203" pitchFamily="34" charset="-34"/>
+              </a:rPr>
+              <a:t> </a:t>
+            </a:r>
+            <a:r>
+              <a:rPr lang="en-US">
+                <a:latin typeface="Leelawadee UI" panose="020B0502040204020203" pitchFamily="34" charset="-34"/>
+                <a:ea typeface="Microsoft JhengHei Light" panose="020B0304030504040204" pitchFamily="34" charset="-120"/>
+                <a:cs typeface="Leelawadee UI" panose="020B0502040204020203" pitchFamily="34" charset="-34"/>
+              </a:rPr>
+              <a:t>GND </a:t>
+            </a:r>
+            <a:endParaRPr lang="en-US"/>
+          </a:p>
+          <a:p>
+            <a:pPr>
+              <a:lnSpc>
+                <a:spcPts val="4300"/>
+              </a:lnSpc>
+            </a:pPr>
+            <a:r>
+              <a:rPr lang="en-US"/>
+              <a:t>SDA: </a:t>
+            </a:r>
+            <a:r>
+              <a:rPr lang="en-US">
+                <a:latin typeface="Leelawadee UI" panose="020B0502040204020203" pitchFamily="34" charset="-34"/>
+                <a:ea typeface="Microsoft JhengHei Light" panose="020B0304030504040204" pitchFamily="34" charset="-120"/>
+                <a:cs typeface="Leelawadee UI" panose="020B0502040204020203" pitchFamily="34" charset="-34"/>
+              </a:rPr>
+              <a:t>I</a:t>
+            </a:r>
+            <a:r>
+              <a:rPr lang="en-US" baseline="30000">
+                <a:latin typeface="Leelawadee UI" panose="020B0502040204020203" pitchFamily="34" charset="-34"/>
+                <a:ea typeface="Microsoft JhengHei Light" panose="020B0304030504040204" pitchFamily="34" charset="-120"/>
+                <a:cs typeface="Leelawadee UI" panose="020B0502040204020203" pitchFamily="34" charset="-34"/>
+              </a:rPr>
+              <a:t>2</a:t>
+            </a:r>
+            <a:r>
+              <a:rPr lang="en-US">
+                <a:latin typeface="Leelawadee UI" panose="020B0502040204020203" pitchFamily="34" charset="-34"/>
+                <a:ea typeface="Microsoft JhengHei Light" panose="020B0304030504040204" pitchFamily="34" charset="-120"/>
+                <a:cs typeface="Leelawadee UI" panose="020B0502040204020203" pitchFamily="34" charset="-34"/>
+              </a:rPr>
+              <a:t>C </a:t>
+            </a:r>
+            <a:r>
+              <a:rPr lang="zh-CN" altLang="en-US">
+                <a:latin typeface="华文楷体" panose="02010600040101010101" pitchFamily="2" charset="-122"/>
+                <a:ea typeface="华文楷体" panose="02010600040101010101" pitchFamily="2" charset="-122"/>
+                <a:cs typeface="Leelawadee UI" panose="020B0502040204020203" pitchFamily="34" charset="-34"/>
+              </a:rPr>
+              <a:t>串行数据，烧写固件时作为</a:t>
+            </a:r>
+            <a:r>
+              <a:rPr lang="en-US">
+                <a:latin typeface="华文楷体" panose="02010600040101010101" pitchFamily="2" charset="-122"/>
+                <a:ea typeface="华文楷体" panose="02010600040101010101" pitchFamily="2" charset="-122"/>
+                <a:cs typeface="Leelawadee UI" panose="020B0502040204020203" pitchFamily="34" charset="-34"/>
+              </a:rPr>
+              <a:t> </a:t>
+            </a:r>
+            <a:r>
+              <a:rPr lang="en-US">
+                <a:latin typeface="Leelawadee UI" panose="020B0502040204020203" pitchFamily="34" charset="-34"/>
+                <a:ea typeface="Microsoft JhengHei Light" panose="020B0304030504040204" pitchFamily="34" charset="-120"/>
+                <a:cs typeface="Leelawadee UI" panose="020B0502040204020203" pitchFamily="34" charset="-34"/>
+              </a:rPr>
+              <a:t>UART_R</a:t>
+            </a:r>
+            <a:endParaRPr lang="en-US"/>
+          </a:p>
+          <a:p>
+            <a:pPr>
+              <a:lnSpc>
+                <a:spcPts val="4300"/>
+              </a:lnSpc>
+            </a:pPr>
+            <a:r>
+              <a:rPr lang="en-US"/>
+              <a:t>SCL: </a:t>
+            </a:r>
+            <a:r>
+              <a:rPr lang="en-US">
+                <a:latin typeface="Leelawadee UI" panose="020B0502040204020203" pitchFamily="34" charset="-34"/>
+                <a:ea typeface="Microsoft JhengHei Light" panose="020B0304030504040204" pitchFamily="34" charset="-120"/>
+                <a:cs typeface="Leelawadee UI" panose="020B0502040204020203" pitchFamily="34" charset="-34"/>
+              </a:rPr>
+              <a:t>I</a:t>
+            </a:r>
+            <a:r>
+              <a:rPr lang="en-US" baseline="30000">
+                <a:latin typeface="Leelawadee UI" panose="020B0502040204020203" pitchFamily="34" charset="-34"/>
+                <a:ea typeface="Microsoft JhengHei Light" panose="020B0304030504040204" pitchFamily="34" charset="-120"/>
+                <a:cs typeface="Leelawadee UI" panose="020B0502040204020203" pitchFamily="34" charset="-34"/>
+              </a:rPr>
+              <a:t>2</a:t>
+            </a:r>
+            <a:r>
+              <a:rPr lang="en-US">
+                <a:latin typeface="Leelawadee UI" panose="020B0502040204020203" pitchFamily="34" charset="-34"/>
+                <a:ea typeface="Microsoft JhengHei Light" panose="020B0304030504040204" pitchFamily="34" charset="-120"/>
+                <a:cs typeface="Leelawadee UI" panose="020B0502040204020203" pitchFamily="34" charset="-34"/>
+              </a:rPr>
+              <a:t>C </a:t>
+            </a:r>
+            <a:r>
+              <a:rPr lang="zh-CN" altLang="en-US">
+                <a:latin typeface="华文楷体" panose="02010600040101010101" pitchFamily="2" charset="-122"/>
+                <a:ea typeface="华文楷体" panose="02010600040101010101" pitchFamily="2" charset="-122"/>
+                <a:cs typeface="Leelawadee UI" panose="020B0502040204020203" pitchFamily="34" charset="-34"/>
+              </a:rPr>
+              <a:t>串行时钟，烧写固件时作为</a:t>
+            </a:r>
+            <a:r>
+              <a:rPr lang="en-US" altLang="zh-CN">
+                <a:latin typeface="华文楷体" panose="02010600040101010101" pitchFamily="2" charset="-122"/>
+                <a:ea typeface="华文楷体" panose="02010600040101010101" pitchFamily="2" charset="-122"/>
+                <a:cs typeface="Leelawadee UI" panose="020B0502040204020203" pitchFamily="34" charset="-34"/>
+              </a:rPr>
+              <a:t> </a:t>
+            </a:r>
+            <a:r>
+              <a:rPr lang="en-US">
+                <a:latin typeface="Leelawadee UI" panose="020B0502040204020203" pitchFamily="34" charset="-34"/>
+                <a:ea typeface="Microsoft JhengHei Light" panose="020B0304030504040204" pitchFamily="34" charset="-120"/>
+                <a:cs typeface="Leelawadee UI" panose="020B0502040204020203" pitchFamily="34" charset="-34"/>
+              </a:rPr>
+              <a:t>UART_TX</a:t>
+            </a:r>
+          </a:p>
+          <a:p>
+            <a:pPr>
+              <a:lnSpc>
+                <a:spcPts val="4300"/>
+              </a:lnSpc>
+            </a:pPr>
+            <a:r>
+              <a:rPr lang="en-US"/>
+              <a:t>VCC: </a:t>
+            </a:r>
+            <a:r>
+              <a:rPr lang="zh-CN" altLang="en-US">
+                <a:latin typeface="华文楷体" panose="02010600040101010101" pitchFamily="2" charset="-122"/>
+                <a:ea typeface="华文楷体" panose="02010600040101010101" pitchFamily="2" charset="-122"/>
+              </a:rPr>
+              <a:t>当您在烧写固件时，</a:t>
+            </a:r>
+            <a:r>
+              <a:rPr lang="en-US" altLang="zh-CN"/>
+              <a:t>VCC </a:t>
+            </a:r>
+            <a:r>
+              <a:rPr lang="zh-CN" altLang="en-US">
+                <a:latin typeface="华文楷体" panose="02010600040101010101" pitchFamily="2" charset="-122"/>
+                <a:ea typeface="华文楷体" panose="02010600040101010101" pitchFamily="2" charset="-122"/>
+              </a:rPr>
+              <a:t>应设为</a:t>
+            </a:r>
+            <a:r>
+              <a:rPr lang="en-US" altLang="zh-CN">
+                <a:latin typeface="华文楷体" panose="02010600040101010101" pitchFamily="2" charset="-122"/>
+                <a:ea typeface="华文楷体" panose="02010600040101010101" pitchFamily="2" charset="-122"/>
+              </a:rPr>
+              <a:t> </a:t>
+            </a:r>
+            <a:r>
+              <a:rPr lang="en-US" altLang="zh-CN"/>
+              <a:t>3.3V</a:t>
+            </a:r>
+            <a:endParaRPr lang="en-US"/>
+          </a:p>
+          <a:p>
+            <a:pPr>
+              <a:lnSpc>
+                <a:spcPts val="4300"/>
+              </a:lnSpc>
+            </a:pPr>
+            <a:r>
+              <a:rPr lang="en-US"/>
+              <a:t>BOOT: </a:t>
+            </a:r>
+            <a:r>
+              <a:rPr lang="zh-CN" altLang="en-US">
+                <a:latin typeface="华文楷体" panose="02010600040101010101" pitchFamily="2" charset="-122"/>
+                <a:ea typeface="华文楷体" panose="02010600040101010101" pitchFamily="2" charset="-122"/>
+              </a:rPr>
+              <a:t>使用</a:t>
+            </a:r>
+            <a:r>
+              <a:rPr lang="zh-CN" altLang="en-US"/>
+              <a:t> </a:t>
+            </a:r>
+            <a:r>
+              <a:rPr lang="en-US" altLang="zh-CN"/>
+              <a:t>UART </a:t>
+            </a:r>
+            <a:r>
+              <a:rPr lang="zh-CN" altLang="en-US">
+                <a:latin typeface="华文楷体" panose="02010600040101010101" pitchFamily="2" charset="-122"/>
+                <a:ea typeface="华文楷体" panose="02010600040101010101" pitchFamily="2" charset="-122"/>
+              </a:rPr>
+              <a:t>模式烧写固件时需被置高</a:t>
+            </a:r>
+            <a:endParaRPr lang="en-US">
+              <a:latin typeface="华文楷体" panose="02010600040101010101" pitchFamily="2" charset="-122"/>
+              <a:ea typeface="华文楷体" panose="02010600040101010101" pitchFamily="2" charset="-122"/>
+            </a:endParaRPr>
+          </a:p>
+        </p:txBody>
+      </p:sp>
+      <p:sp>
+        <p:nvSpPr>
+          <p:cNvPr id="5" name="文本框 4">
+            <a:extLst>
+              <a:ext uri="{FF2B5EF4-FFF2-40B4-BE49-F238E27FC236}">
+                <a16:creationId xmlns:a16="http://schemas.microsoft.com/office/drawing/2014/main" id="{241A6430-41EF-4408-86DF-5AF5714F2110}"/>
+              </a:ext>
+            </a:extLst>
+          </p:cNvPr>
+          <p:cNvSpPr txBox="1"/>
+          <p:nvPr/>
+        </p:nvSpPr>
+        <p:spPr>
+          <a:xfrm>
+            <a:off x="3252803" y="5543081"/>
+            <a:ext cx="954107" cy="400110"/>
+          </a:xfrm>
+          <a:prstGeom prst="rect">
+            <a:avLst/>
+          </a:prstGeom>
+          <a:noFill/>
+        </p:spPr>
+        <p:txBody>
+          <a:bodyPr wrap="none" rtlCol="0">
+            <a:spAutoFit/>
+          </a:bodyPr>
+          <a:lstStyle/>
+          <a:p>
+            <a:r>
+              <a:rPr lang="zh-CN" altLang="en-US" sz="2000" b="1">
+                <a:solidFill>
+                  <a:schemeClr val="bg1">
+                    <a:lumMod val="65000"/>
+                  </a:schemeClr>
+                </a:solidFill>
+              </a:rPr>
+              <a:t>中断脚</a:t>
+            </a:r>
+            <a:endParaRPr lang="en-US" sz="2000" b="1">
+              <a:solidFill>
+                <a:schemeClr val="bg1">
+                  <a:lumMod val="65000"/>
+                </a:schemeClr>
+              </a:solidFill>
+            </a:endParaRPr>
+          </a:p>
+        </p:txBody>
+      </p:sp>
+      <p:cxnSp>
+        <p:nvCxnSpPr>
+          <p:cNvPr id="7" name="直接箭头连接符 6">
+            <a:extLst>
+              <a:ext uri="{FF2B5EF4-FFF2-40B4-BE49-F238E27FC236}">
+                <a16:creationId xmlns:a16="http://schemas.microsoft.com/office/drawing/2014/main" id="{CC99B643-DB4A-4CDC-A0D5-F6FEF5BA8117}"/>
+              </a:ext>
+            </a:extLst>
+          </p:cNvPr>
+          <p:cNvCxnSpPr>
+            <a:cxnSpLocks/>
+          </p:cNvCxnSpPr>
+          <p:nvPr/>
+        </p:nvCxnSpPr>
+        <p:spPr>
+          <a:xfrm>
+            <a:off x="3417897" y="5165780"/>
+            <a:ext cx="0" cy="473020"/>
+          </a:xfrm>
+          <a:prstGeom prst="straightConnector1">
+            <a:avLst/>
+          </a:prstGeom>
+          <a:ln w="19050">
+            <a:solidFill>
+              <a:schemeClr val="bg1">
+                <a:lumMod val="65000"/>
+              </a:schemeClr>
+            </a:solidFill>
+            <a:tailEnd type="triangle"/>
+          </a:ln>
+        </p:spPr>
+        <p:style>
+          <a:lnRef idx="1">
+            <a:schemeClr val="accent1"/>
+          </a:lnRef>
+          <a:fillRef idx="0">
+            <a:schemeClr val="accent1"/>
+          </a:fillRef>
+          <a:effectRef idx="0">
+            <a:schemeClr val="accent1"/>
+          </a:effectRef>
+          <a:fontRef idx="minor">
+            <a:schemeClr val="tx1"/>
+          </a:fontRef>
+        </p:style>
+      </p:cxnSp>
+      <p:sp>
+        <p:nvSpPr>
+          <p:cNvPr id="17" name="椭圆 16">
+            <a:extLst>
+              <a:ext uri="{FF2B5EF4-FFF2-40B4-BE49-F238E27FC236}">
+                <a16:creationId xmlns:a16="http://schemas.microsoft.com/office/drawing/2014/main" id="{27385FEA-52AA-4E1B-A633-C8F49FD2B076}"/>
+              </a:ext>
+            </a:extLst>
+          </p:cNvPr>
+          <p:cNvSpPr>
+            <a:spLocks noChangeAspect="1"/>
+          </p:cNvSpPr>
+          <p:nvPr/>
+        </p:nvSpPr>
+        <p:spPr>
+          <a:xfrm>
+            <a:off x="3366335" y="5114218"/>
+            <a:ext cx="103124" cy="103124"/>
+          </a:xfrm>
+          <a:prstGeom prst="ellipse">
+            <a:avLst/>
+          </a:prstGeom>
+          <a:solidFill>
+            <a:srgbClr val="FFC000"/>
+          </a:solidFill>
+          <a:ln>
+            <a:solidFill>
+              <a:srgbClr val="FFC000"/>
+            </a:solidFill>
+          </a:ln>
+        </p:spPr>
+        <p:style>
+          <a:lnRef idx="2">
+            <a:schemeClr val="accent1">
+              <a:shade val="50000"/>
+            </a:schemeClr>
+          </a:lnRef>
+          <a:fillRef idx="1">
+            <a:schemeClr val="accent1"/>
+          </a:fillRef>
+          <a:effectRef idx="0">
+            <a:schemeClr val="accent1"/>
+          </a:effectRef>
+          <a:fontRef idx="minor">
+            <a:schemeClr val="lt1"/>
+          </a:fontRef>
+        </p:style>
+        <p:txBody>
+          <a:bodyPr rtlCol="0" anchor="ctr"/>
+          <a:lstStyle/>
+          <a:p>
+            <a:pPr algn="ctr"/>
+            <a:endParaRPr lang="en-US"/>
+          </a:p>
+        </p:txBody>
+      </p:sp>
+    </p:spTree>
+    <p:extLst>
+      <p:ext uri="{BB962C8B-B14F-4D97-AF65-F5344CB8AC3E}">
+        <p14:creationId xmlns:p14="http://schemas.microsoft.com/office/powerpoint/2010/main" val="2937115523"/>
+      </p:ext>
+    </p:extLst>
+  </p:cSld>
+  <p:clrMapOvr>
+    <a:masterClrMapping/>
+  </p:clrMapOvr>
+</p:sld>
+</file>
+
 <file path=ppt/theme/theme1.xml><?xml version="1.0" encoding="utf-8"?>
 <a:theme xmlns:a="http://schemas.openxmlformats.org/drawingml/2006/main" name="Office 主题​​">
   <a:themeElements>
